--- a/doc/相対位置に基づく道路カーネルの選択.pptx
+++ b/doc/相対位置に基づく道路カーネルの選択.pptx
@@ -8,6 +8,12 @@
     <p:sldId id="256" r:id="rId2"/>
     <p:sldId id="258" r:id="rId3"/>
     <p:sldId id="257" r:id="rId4"/>
+    <p:sldId id="259" r:id="rId5"/>
+    <p:sldId id="260" r:id="rId6"/>
+    <p:sldId id="261" r:id="rId7"/>
+    <p:sldId id="262" r:id="rId8"/>
+    <p:sldId id="263" r:id="rId9"/>
+    <p:sldId id="264" r:id="rId10"/>
   </p:sldIdLst>
   <p:sldSz cx="9144000" cy="6858000" type="screen4x3"/>
   <p:notesSz cx="6858000" cy="9144000"/>
@@ -291,7 +297,7 @@
             <a:fld id="{1D8BD707-D9CF-40AE-B4C6-C98DA3205C09}" type="datetimeFigureOut">
               <a:rPr lang="en-US" smtClean="0"/>
               <a:pPr/>
-              <a:t>2/25/2014</a:t>
+              <a:t>2/27/2014</a:t>
             </a:fld>
             <a:endParaRPr lang="en-US"/>
           </a:p>
@@ -458,7 +464,7 @@
             <a:fld id="{1D8BD707-D9CF-40AE-B4C6-C98DA3205C09}" type="datetimeFigureOut">
               <a:rPr lang="en-US" smtClean="0"/>
               <a:pPr/>
-              <a:t>2/25/2014</a:t>
+              <a:t>2/27/2014</a:t>
             </a:fld>
             <a:endParaRPr lang="en-US"/>
           </a:p>
@@ -635,7 +641,7 @@
             <a:fld id="{1D8BD707-D9CF-40AE-B4C6-C98DA3205C09}" type="datetimeFigureOut">
               <a:rPr lang="en-US" smtClean="0"/>
               <a:pPr/>
-              <a:t>2/25/2014</a:t>
+              <a:t>2/27/2014</a:t>
             </a:fld>
             <a:endParaRPr lang="en-US"/>
           </a:p>
@@ -802,7 +808,7 @@
             <a:fld id="{1D8BD707-D9CF-40AE-B4C6-C98DA3205C09}" type="datetimeFigureOut">
               <a:rPr lang="en-US" smtClean="0"/>
               <a:pPr/>
-              <a:t>2/25/2014</a:t>
+              <a:t>2/27/2014</a:t>
             </a:fld>
             <a:endParaRPr lang="en-US"/>
           </a:p>
@@ -1045,7 +1051,7 @@
             <a:fld id="{1D8BD707-D9CF-40AE-B4C6-C98DA3205C09}" type="datetimeFigureOut">
               <a:rPr lang="en-US" smtClean="0"/>
               <a:pPr/>
-              <a:t>2/25/2014</a:t>
+              <a:t>2/27/2014</a:t>
             </a:fld>
             <a:endParaRPr lang="en-US"/>
           </a:p>
@@ -1330,7 +1336,7 @@
             <a:fld id="{1D8BD707-D9CF-40AE-B4C6-C98DA3205C09}" type="datetimeFigureOut">
               <a:rPr lang="en-US" smtClean="0"/>
               <a:pPr/>
-              <a:t>2/25/2014</a:t>
+              <a:t>2/27/2014</a:t>
             </a:fld>
             <a:endParaRPr lang="en-US"/>
           </a:p>
@@ -1749,7 +1755,7 @@
             <a:fld id="{1D8BD707-D9CF-40AE-B4C6-C98DA3205C09}" type="datetimeFigureOut">
               <a:rPr lang="en-US" smtClean="0"/>
               <a:pPr/>
-              <a:t>2/25/2014</a:t>
+              <a:t>2/27/2014</a:t>
             </a:fld>
             <a:endParaRPr lang="en-US"/>
           </a:p>
@@ -1864,7 +1870,7 @@
             <a:fld id="{1D8BD707-D9CF-40AE-B4C6-C98DA3205C09}" type="datetimeFigureOut">
               <a:rPr lang="en-US" smtClean="0"/>
               <a:pPr/>
-              <a:t>2/25/2014</a:t>
+              <a:t>2/27/2014</a:t>
             </a:fld>
             <a:endParaRPr lang="en-US"/>
           </a:p>
@@ -1956,7 +1962,7 @@
             <a:fld id="{1D8BD707-D9CF-40AE-B4C6-C98DA3205C09}" type="datetimeFigureOut">
               <a:rPr lang="en-US" smtClean="0"/>
               <a:pPr/>
-              <a:t>2/25/2014</a:t>
+              <a:t>2/27/2014</a:t>
             </a:fld>
             <a:endParaRPr lang="en-US"/>
           </a:p>
@@ -2230,7 +2236,7 @@
             <a:fld id="{1D8BD707-D9CF-40AE-B4C6-C98DA3205C09}" type="datetimeFigureOut">
               <a:rPr lang="en-US" smtClean="0"/>
               <a:pPr/>
-              <a:t>2/25/2014</a:t>
+              <a:t>2/27/2014</a:t>
             </a:fld>
             <a:endParaRPr lang="en-US"/>
           </a:p>
@@ -2480,7 +2486,7 @@
             <a:fld id="{1D8BD707-D9CF-40AE-B4C6-C98DA3205C09}" type="datetimeFigureOut">
               <a:rPr lang="en-US" smtClean="0"/>
               <a:pPr/>
-              <a:t>2/25/2014</a:t>
+              <a:t>2/27/2014</a:t>
             </a:fld>
             <a:endParaRPr lang="en-US"/>
           </a:p>
@@ -2690,7 +2696,7 @@
             <a:fld id="{1D8BD707-D9CF-40AE-B4C6-C98DA3205C09}" type="datetimeFigureOut">
               <a:rPr lang="en-US" smtClean="0"/>
               <a:pPr/>
-              <a:t>2/25/2014</a:t>
+              <a:t>2/27/2014</a:t>
             </a:fld>
             <a:endParaRPr lang="en-US"/>
           </a:p>
@@ -4152,8 +4158,8 @@
           </a:p>
         </p:txBody>
       </p:sp>
-      <mc:AlternateContent xmlns:mc="http://schemas.openxmlformats.org/markup-compatibility/2006">
-        <mc:Choice xmlns:a14="http://schemas.microsoft.com/office/drawing/2010/main" Requires="a14">
+      <mc:AlternateContent xmlns:mc="http://schemas.openxmlformats.org/markup-compatibility/2006" xmlns:a14="http://schemas.microsoft.com/office/drawing/2010/main">
+        <mc:Choice Requires="a14">
           <p:sp>
             <p:nvSpPr>
               <p:cNvPr id="31" name="TextBox 30"/>
@@ -4176,6 +4182,7 @@
               </a:bodyPr>
               <a:lstStyle/>
               <a:p>
+                <a:pPr/>
                 <a14:m>
                   <m:oMathPara xmlns:m="http://schemas.openxmlformats.org/officeDocument/2006/math">
                     <m:oMathParaPr>
@@ -4215,7 +4222,7 @@
             </p:txBody>
           </p:sp>
         </mc:Choice>
-        <mc:Fallback>
+        <mc:Fallback xmlns="">
           <p:sp>
             <p:nvSpPr>
               <p:cNvPr id="31" name="TextBox 30"/>
@@ -4254,8 +4261,8 @@
           </p:sp>
         </mc:Fallback>
       </mc:AlternateContent>
-      <mc:AlternateContent xmlns:mc="http://schemas.openxmlformats.org/markup-compatibility/2006">
-        <mc:Choice xmlns:a14="http://schemas.microsoft.com/office/drawing/2010/main" Requires="a14">
+      <mc:AlternateContent xmlns:mc="http://schemas.openxmlformats.org/markup-compatibility/2006" xmlns:a14="http://schemas.microsoft.com/office/drawing/2010/main">
+        <mc:Choice Requires="a14">
           <p:sp>
             <p:nvSpPr>
               <p:cNvPr id="32" name="TextBox 31"/>
@@ -4278,6 +4285,7 @@
               </a:bodyPr>
               <a:lstStyle/>
               <a:p>
+                <a:pPr/>
                 <a14:m>
                   <m:oMathPara xmlns:m="http://schemas.openxmlformats.org/officeDocument/2006/math">
                     <m:oMathParaPr>
@@ -4317,7 +4325,7 @@
             </p:txBody>
           </p:sp>
         </mc:Choice>
-        <mc:Fallback>
+        <mc:Fallback xmlns="">
           <p:sp>
             <p:nvSpPr>
               <p:cNvPr id="32" name="TextBox 31"/>
@@ -4356,8 +4364,8 @@
           </p:sp>
         </mc:Fallback>
       </mc:AlternateContent>
-      <mc:AlternateContent xmlns:mc="http://schemas.openxmlformats.org/markup-compatibility/2006">
-        <mc:Choice xmlns:a14="http://schemas.microsoft.com/office/drawing/2010/main" Requires="a14">
+      <mc:AlternateContent xmlns:mc="http://schemas.openxmlformats.org/markup-compatibility/2006" xmlns:a14="http://schemas.microsoft.com/office/drawing/2010/main">
+        <mc:Choice Requires="a14">
           <p:sp>
             <p:nvSpPr>
               <p:cNvPr id="33" name="TextBox 32"/>
@@ -4380,6 +4388,7 @@
               </a:bodyPr>
               <a:lstStyle/>
               <a:p>
+                <a:pPr/>
                 <a14:m>
                   <m:oMathPara xmlns:m="http://schemas.openxmlformats.org/officeDocument/2006/math">
                     <m:oMathParaPr>
@@ -4419,7 +4428,7 @@
             </p:txBody>
           </p:sp>
         </mc:Choice>
-        <mc:Fallback>
+        <mc:Fallback xmlns="">
           <p:sp>
             <p:nvSpPr>
               <p:cNvPr id="33" name="TextBox 32"/>
@@ -4458,8 +4467,8 @@
           </p:sp>
         </mc:Fallback>
       </mc:AlternateContent>
-      <mc:AlternateContent xmlns:mc="http://schemas.openxmlformats.org/markup-compatibility/2006">
-        <mc:Choice xmlns:a14="http://schemas.microsoft.com/office/drawing/2010/main" Requires="a14">
+      <mc:AlternateContent xmlns:mc="http://schemas.openxmlformats.org/markup-compatibility/2006" xmlns:a14="http://schemas.microsoft.com/office/drawing/2010/main">
+        <mc:Choice Requires="a14">
           <p:sp>
             <p:nvSpPr>
               <p:cNvPr id="34" name="TextBox 33"/>
@@ -4482,6 +4491,7 @@
               </a:bodyPr>
               <a:lstStyle/>
               <a:p>
+                <a:pPr/>
                 <a14:m>
                   <m:oMathPara xmlns:m="http://schemas.openxmlformats.org/officeDocument/2006/math">
                     <m:oMathParaPr>
@@ -4521,7 +4531,7 @@
             </p:txBody>
           </p:sp>
         </mc:Choice>
-        <mc:Fallback>
+        <mc:Fallback xmlns="">
           <p:sp>
             <p:nvSpPr>
               <p:cNvPr id="34" name="TextBox 33"/>
@@ -4560,8 +4570,8 @@
           </p:sp>
         </mc:Fallback>
       </mc:AlternateContent>
-      <mc:AlternateContent xmlns:mc="http://schemas.openxmlformats.org/markup-compatibility/2006">
-        <mc:Choice xmlns:a14="http://schemas.microsoft.com/office/drawing/2010/main" Requires="a14">
+      <mc:AlternateContent xmlns:mc="http://schemas.openxmlformats.org/markup-compatibility/2006" xmlns:a14="http://schemas.microsoft.com/office/drawing/2010/main">
+        <mc:Choice Requires="a14">
           <p:sp>
             <p:nvSpPr>
               <p:cNvPr id="35" name="TextBox 34"/>
@@ -4584,6 +4594,7 @@
               </a:bodyPr>
               <a:lstStyle/>
               <a:p>
+                <a:pPr/>
                 <a14:m>
                   <m:oMathPara xmlns:m="http://schemas.openxmlformats.org/officeDocument/2006/math">
                     <m:oMathParaPr>
@@ -4623,7 +4634,7 @@
             </p:txBody>
           </p:sp>
         </mc:Choice>
-        <mc:Fallback>
+        <mc:Fallback xmlns="">
           <p:sp>
             <p:nvSpPr>
               <p:cNvPr id="35" name="TextBox 34"/>
@@ -4662,8 +4673,8 @@
           </p:sp>
         </mc:Fallback>
       </mc:AlternateContent>
-      <mc:AlternateContent xmlns:mc="http://schemas.openxmlformats.org/markup-compatibility/2006">
-        <mc:Choice xmlns:a14="http://schemas.microsoft.com/office/drawing/2010/main" Requires="a14">
+      <mc:AlternateContent xmlns:mc="http://schemas.openxmlformats.org/markup-compatibility/2006" xmlns:a14="http://schemas.microsoft.com/office/drawing/2010/main">
+        <mc:Choice Requires="a14">
           <p:sp>
             <p:nvSpPr>
               <p:cNvPr id="36" name="TextBox 35"/>
@@ -4686,6 +4697,7 @@
               </a:bodyPr>
               <a:lstStyle/>
               <a:p>
+                <a:pPr/>
                 <a14:m>
                   <m:oMathPara xmlns:m="http://schemas.openxmlformats.org/officeDocument/2006/math">
                     <m:oMathParaPr>
@@ -4725,7 +4737,7 @@
             </p:txBody>
           </p:sp>
         </mc:Choice>
-        <mc:Fallback>
+        <mc:Fallback xmlns="">
           <p:sp>
             <p:nvSpPr>
               <p:cNvPr id="36" name="TextBox 35"/>
@@ -4764,8 +4776,8 @@
           </p:sp>
         </mc:Fallback>
       </mc:AlternateContent>
-      <mc:AlternateContent xmlns:mc="http://schemas.openxmlformats.org/markup-compatibility/2006">
-        <mc:Choice xmlns:a14="http://schemas.microsoft.com/office/drawing/2010/main" Requires="a14">
+      <mc:AlternateContent xmlns:mc="http://schemas.openxmlformats.org/markup-compatibility/2006" xmlns:a14="http://schemas.microsoft.com/office/drawing/2010/main">
+        <mc:Choice Requires="a14">
           <p:sp>
             <p:nvSpPr>
               <p:cNvPr id="37" name="TextBox 36"/>
@@ -4788,6 +4800,7 @@
               </a:bodyPr>
               <a:lstStyle/>
               <a:p>
+                <a:pPr/>
                 <a14:m>
                   <m:oMathPara xmlns:m="http://schemas.openxmlformats.org/officeDocument/2006/math">
                     <m:oMathParaPr>
@@ -4827,7 +4840,7 @@
             </p:txBody>
           </p:sp>
         </mc:Choice>
-        <mc:Fallback>
+        <mc:Fallback xmlns="">
           <p:sp>
             <p:nvSpPr>
               <p:cNvPr id="37" name="TextBox 36"/>
@@ -4866,8 +4879,8 @@
           </p:sp>
         </mc:Fallback>
       </mc:AlternateContent>
-      <mc:AlternateContent xmlns:mc="http://schemas.openxmlformats.org/markup-compatibility/2006">
-        <mc:Choice xmlns:a14="http://schemas.microsoft.com/office/drawing/2010/main" Requires="a14">
+      <mc:AlternateContent xmlns:mc="http://schemas.openxmlformats.org/markup-compatibility/2006" xmlns:a14="http://schemas.microsoft.com/office/drawing/2010/main">
+        <mc:Choice Requires="a14">
           <p:sp>
             <p:nvSpPr>
               <p:cNvPr id="38" name="TextBox 37"/>
@@ -4890,6 +4903,7 @@
               </a:bodyPr>
               <a:lstStyle/>
               <a:p>
+                <a:pPr/>
                 <a14:m>
                   <m:oMathPara xmlns:m="http://schemas.openxmlformats.org/officeDocument/2006/math">
                     <m:oMathParaPr>
@@ -4929,7 +4943,7 @@
             </p:txBody>
           </p:sp>
         </mc:Choice>
-        <mc:Fallback>
+        <mc:Fallback xmlns="">
           <p:sp>
             <p:nvSpPr>
               <p:cNvPr id="38" name="TextBox 37"/>
@@ -4968,8 +4982,8 @@
           </p:sp>
         </mc:Fallback>
       </mc:AlternateContent>
-      <mc:AlternateContent xmlns:mc="http://schemas.openxmlformats.org/markup-compatibility/2006">
-        <mc:Choice xmlns:a14="http://schemas.microsoft.com/office/drawing/2010/main" Requires="a14">
+      <mc:AlternateContent xmlns:mc="http://schemas.openxmlformats.org/markup-compatibility/2006" xmlns:a14="http://schemas.microsoft.com/office/drawing/2010/main">
+        <mc:Choice Requires="a14">
           <p:sp>
             <p:nvSpPr>
               <p:cNvPr id="39" name="TextBox 38"/>
@@ -4992,6 +5006,7 @@
               </a:bodyPr>
               <a:lstStyle/>
               <a:p>
+                <a:pPr/>
                 <a14:m>
                   <m:oMathPara xmlns:m="http://schemas.openxmlformats.org/officeDocument/2006/math">
                     <m:oMathParaPr>
@@ -5031,7 +5046,7 @@
             </p:txBody>
           </p:sp>
         </mc:Choice>
-        <mc:Fallback>
+        <mc:Fallback xmlns="">
           <p:sp>
             <p:nvSpPr>
               <p:cNvPr id="39" name="TextBox 38"/>
@@ -5070,8 +5085,8 @@
           </p:sp>
         </mc:Fallback>
       </mc:AlternateContent>
-      <mc:AlternateContent xmlns:mc="http://schemas.openxmlformats.org/markup-compatibility/2006">
-        <mc:Choice xmlns:a14="http://schemas.microsoft.com/office/drawing/2010/main" Requires="a14">
+      <mc:AlternateContent xmlns:mc="http://schemas.openxmlformats.org/markup-compatibility/2006" xmlns:a14="http://schemas.microsoft.com/office/drawing/2010/main">
+        <mc:Choice Requires="a14">
           <p:sp>
             <p:nvSpPr>
               <p:cNvPr id="40" name="TextBox 39"/>
@@ -5094,6 +5109,7 @@
               </a:bodyPr>
               <a:lstStyle/>
               <a:p>
+                <a:pPr/>
                 <a14:m>
                   <m:oMathPara xmlns:m="http://schemas.openxmlformats.org/officeDocument/2006/math">
                     <m:oMathParaPr>
@@ -5133,7 +5149,7 @@
             </p:txBody>
           </p:sp>
         </mc:Choice>
-        <mc:Fallback>
+        <mc:Fallback xmlns="">
           <p:sp>
             <p:nvSpPr>
               <p:cNvPr id="40" name="TextBox 39"/>
@@ -5172,8 +5188,8 @@
           </p:sp>
         </mc:Fallback>
       </mc:AlternateContent>
-      <mc:AlternateContent xmlns:mc="http://schemas.openxmlformats.org/markup-compatibility/2006">
-        <mc:Choice xmlns:a14="http://schemas.microsoft.com/office/drawing/2010/main" Requires="a14">
+      <mc:AlternateContent xmlns:mc="http://schemas.openxmlformats.org/markup-compatibility/2006" xmlns:a14="http://schemas.microsoft.com/office/drawing/2010/main">
+        <mc:Choice Requires="a14">
           <p:sp>
             <p:nvSpPr>
               <p:cNvPr id="41" name="TextBox 40"/>
@@ -5196,6 +5212,7 @@
               </a:bodyPr>
               <a:lstStyle/>
               <a:p>
+                <a:pPr/>
                 <a14:m>
                   <m:oMathPara xmlns:m="http://schemas.openxmlformats.org/officeDocument/2006/math">
                     <m:oMathParaPr>
@@ -5235,7 +5252,7 @@
             </p:txBody>
           </p:sp>
         </mc:Choice>
-        <mc:Fallback>
+        <mc:Fallback xmlns="">
           <p:sp>
             <p:nvSpPr>
               <p:cNvPr id="41" name="TextBox 40"/>
@@ -5274,8 +5291,8 @@
           </p:sp>
         </mc:Fallback>
       </mc:AlternateContent>
-      <mc:AlternateContent xmlns:mc="http://schemas.openxmlformats.org/markup-compatibility/2006">
-        <mc:Choice xmlns:a14="http://schemas.microsoft.com/office/drawing/2010/main" Requires="a14">
+      <mc:AlternateContent xmlns:mc="http://schemas.openxmlformats.org/markup-compatibility/2006" xmlns:a14="http://schemas.microsoft.com/office/drawing/2010/main">
+        <mc:Choice Requires="a14">
           <p:sp>
             <p:nvSpPr>
               <p:cNvPr id="42" name="TextBox 41"/>
@@ -5298,6 +5315,7 @@
               </a:bodyPr>
               <a:lstStyle/>
               <a:p>
+                <a:pPr/>
                 <a14:m>
                   <m:oMathPara xmlns:m="http://schemas.openxmlformats.org/officeDocument/2006/math">
                     <m:oMathParaPr>
@@ -5337,7 +5355,7 @@
             </p:txBody>
           </p:sp>
         </mc:Choice>
-        <mc:Fallback>
+        <mc:Fallback xmlns="">
           <p:sp>
             <p:nvSpPr>
               <p:cNvPr id="42" name="TextBox 41"/>
@@ -5376,8 +5394,8 @@
           </p:sp>
         </mc:Fallback>
       </mc:AlternateContent>
-      <mc:AlternateContent xmlns:mc="http://schemas.openxmlformats.org/markup-compatibility/2006">
-        <mc:Choice xmlns:a14="http://schemas.microsoft.com/office/drawing/2010/main" Requires="a14">
+      <mc:AlternateContent xmlns:mc="http://schemas.openxmlformats.org/markup-compatibility/2006" xmlns:a14="http://schemas.microsoft.com/office/drawing/2010/main">
+        <mc:Choice Requires="a14">
           <p:sp>
             <p:nvSpPr>
               <p:cNvPr id="43" name="TextBox 42"/>
@@ -5400,6 +5418,7 @@
               </a:bodyPr>
               <a:lstStyle/>
               <a:p>
+                <a:pPr/>
                 <a14:m>
                   <m:oMathPara xmlns:m="http://schemas.openxmlformats.org/officeDocument/2006/math">
                     <m:oMathParaPr>
@@ -5439,7 +5458,7 @@
             </p:txBody>
           </p:sp>
         </mc:Choice>
-        <mc:Fallback>
+        <mc:Fallback xmlns="">
           <p:sp>
             <p:nvSpPr>
               <p:cNvPr id="43" name="TextBox 42"/>
@@ -5478,8 +5497,8 @@
           </p:sp>
         </mc:Fallback>
       </mc:AlternateContent>
-      <mc:AlternateContent xmlns:mc="http://schemas.openxmlformats.org/markup-compatibility/2006">
-        <mc:Choice xmlns:a14="http://schemas.microsoft.com/office/drawing/2010/main" Requires="a14">
+      <mc:AlternateContent xmlns:mc="http://schemas.openxmlformats.org/markup-compatibility/2006" xmlns:a14="http://schemas.microsoft.com/office/drawing/2010/main">
+        <mc:Choice Requires="a14">
           <p:sp>
             <p:nvSpPr>
               <p:cNvPr id="44" name="TextBox 43"/>
@@ -5502,6 +5521,7 @@
               </a:bodyPr>
               <a:lstStyle/>
               <a:p>
+                <a:pPr/>
                 <a14:m>
                   <m:oMathPara xmlns:m="http://schemas.openxmlformats.org/officeDocument/2006/math">
                     <m:oMathParaPr>
@@ -5541,7 +5561,7 @@
             </p:txBody>
           </p:sp>
         </mc:Choice>
-        <mc:Fallback>
+        <mc:Fallback xmlns="">
           <p:sp>
             <p:nvSpPr>
               <p:cNvPr id="44" name="TextBox 43"/>
@@ -5580,8 +5600,8 @@
           </p:sp>
         </mc:Fallback>
       </mc:AlternateContent>
-      <mc:AlternateContent xmlns:mc="http://schemas.openxmlformats.org/markup-compatibility/2006">
-        <mc:Choice xmlns:a14="http://schemas.microsoft.com/office/drawing/2010/main" Requires="a14">
+      <mc:AlternateContent xmlns:mc="http://schemas.openxmlformats.org/markup-compatibility/2006" xmlns:a14="http://schemas.microsoft.com/office/drawing/2010/main">
+        <mc:Choice Requires="a14">
           <p:sp>
             <p:nvSpPr>
               <p:cNvPr id="45" name="TextBox 44"/>
@@ -5604,6 +5624,7 @@
               </a:bodyPr>
               <a:lstStyle/>
               <a:p>
+                <a:pPr/>
                 <a14:m>
                   <m:oMathPara xmlns:m="http://schemas.openxmlformats.org/officeDocument/2006/math">
                     <m:oMathParaPr>
@@ -5643,7 +5664,7 @@
             </p:txBody>
           </p:sp>
         </mc:Choice>
-        <mc:Fallback>
+        <mc:Fallback xmlns="">
           <p:sp>
             <p:nvSpPr>
               <p:cNvPr id="45" name="TextBox 44"/>
@@ -6790,8 +6811,8 @@
           </a:fontRef>
         </p:style>
       </p:cxnSp>
-      <mc:AlternateContent xmlns:mc="http://schemas.openxmlformats.org/markup-compatibility/2006">
-        <mc:Choice xmlns:a14="http://schemas.microsoft.com/office/drawing/2010/main" Requires="a14">
+      <mc:AlternateContent xmlns:mc="http://schemas.openxmlformats.org/markup-compatibility/2006" xmlns:a14="http://schemas.microsoft.com/office/drawing/2010/main">
+        <mc:Choice Requires="a14">
           <p:sp>
             <p:nvSpPr>
               <p:cNvPr id="47" name="TextBox 46"/>
@@ -6814,6 +6835,7 @@
               </a:bodyPr>
               <a:lstStyle/>
               <a:p>
+                <a:pPr/>
                 <a14:m>
                   <m:oMathPara xmlns:m="http://schemas.openxmlformats.org/officeDocument/2006/math">
                     <m:oMathParaPr>
@@ -6853,7 +6875,7 @@
             </p:txBody>
           </p:sp>
         </mc:Choice>
-        <mc:Fallback>
+        <mc:Fallback xmlns="">
           <p:sp>
             <p:nvSpPr>
               <p:cNvPr id="47" name="TextBox 46"/>
@@ -6892,8 +6914,8 @@
           </p:sp>
         </mc:Fallback>
       </mc:AlternateContent>
-      <mc:AlternateContent xmlns:mc="http://schemas.openxmlformats.org/markup-compatibility/2006">
-        <mc:Choice xmlns:a14="http://schemas.microsoft.com/office/drawing/2010/main" Requires="a14">
+      <mc:AlternateContent xmlns:mc="http://schemas.openxmlformats.org/markup-compatibility/2006" xmlns:a14="http://schemas.microsoft.com/office/drawing/2010/main">
+        <mc:Choice Requires="a14">
           <p:sp>
             <p:nvSpPr>
               <p:cNvPr id="48" name="TextBox 47"/>
@@ -6916,6 +6938,7 @@
               </a:bodyPr>
               <a:lstStyle/>
               <a:p>
+                <a:pPr/>
                 <a14:m>
                   <m:oMathPara xmlns:m="http://schemas.openxmlformats.org/officeDocument/2006/math">
                     <m:oMathParaPr>
@@ -6955,7 +6978,7 @@
             </p:txBody>
           </p:sp>
         </mc:Choice>
-        <mc:Fallback>
+        <mc:Fallback xmlns="">
           <p:sp>
             <p:nvSpPr>
               <p:cNvPr id="48" name="TextBox 47"/>
@@ -6994,8 +7017,8 @@
           </p:sp>
         </mc:Fallback>
       </mc:AlternateContent>
-      <mc:AlternateContent xmlns:mc="http://schemas.openxmlformats.org/markup-compatibility/2006">
-        <mc:Choice xmlns:a14="http://schemas.microsoft.com/office/drawing/2010/main" Requires="a14">
+      <mc:AlternateContent xmlns:mc="http://schemas.openxmlformats.org/markup-compatibility/2006" xmlns:a14="http://schemas.microsoft.com/office/drawing/2010/main">
+        <mc:Choice Requires="a14">
           <p:sp>
             <p:nvSpPr>
               <p:cNvPr id="49" name="TextBox 48"/>
@@ -7018,6 +7041,7 @@
               </a:bodyPr>
               <a:lstStyle/>
               <a:p>
+                <a:pPr/>
                 <a14:m>
                   <m:oMathPara xmlns:m="http://schemas.openxmlformats.org/officeDocument/2006/math">
                     <m:oMathParaPr>
@@ -7057,7 +7081,7 @@
             </p:txBody>
           </p:sp>
         </mc:Choice>
-        <mc:Fallback>
+        <mc:Fallback xmlns="">
           <p:sp>
             <p:nvSpPr>
               <p:cNvPr id="49" name="TextBox 48"/>
@@ -7096,8 +7120,8 @@
           </p:sp>
         </mc:Fallback>
       </mc:AlternateContent>
-      <mc:AlternateContent xmlns:mc="http://schemas.openxmlformats.org/markup-compatibility/2006">
-        <mc:Choice xmlns:a14="http://schemas.microsoft.com/office/drawing/2010/main" Requires="a14">
+      <mc:AlternateContent xmlns:mc="http://schemas.openxmlformats.org/markup-compatibility/2006" xmlns:a14="http://schemas.microsoft.com/office/drawing/2010/main">
+        <mc:Choice Requires="a14">
           <p:sp>
             <p:nvSpPr>
               <p:cNvPr id="50" name="TextBox 49"/>
@@ -7120,6 +7144,7 @@
               </a:bodyPr>
               <a:lstStyle/>
               <a:p>
+                <a:pPr/>
                 <a14:m>
                   <m:oMathPara xmlns:m="http://schemas.openxmlformats.org/officeDocument/2006/math">
                     <m:oMathParaPr>
@@ -7159,7 +7184,7 @@
             </p:txBody>
           </p:sp>
         </mc:Choice>
-        <mc:Fallback>
+        <mc:Fallback xmlns="">
           <p:sp>
             <p:nvSpPr>
               <p:cNvPr id="50" name="TextBox 49"/>
@@ -7198,8 +7223,8 @@
           </p:sp>
         </mc:Fallback>
       </mc:AlternateContent>
-      <mc:AlternateContent xmlns:mc="http://schemas.openxmlformats.org/markup-compatibility/2006">
-        <mc:Choice xmlns:a14="http://schemas.microsoft.com/office/drawing/2010/main" Requires="a14">
+      <mc:AlternateContent xmlns:mc="http://schemas.openxmlformats.org/markup-compatibility/2006" xmlns:a14="http://schemas.microsoft.com/office/drawing/2010/main">
+        <mc:Choice Requires="a14">
           <p:sp>
             <p:nvSpPr>
               <p:cNvPr id="51" name="TextBox 50"/>
@@ -7222,6 +7247,7 @@
               </a:bodyPr>
               <a:lstStyle/>
               <a:p>
+                <a:pPr/>
                 <a14:m>
                   <m:oMathPara xmlns:m="http://schemas.openxmlformats.org/officeDocument/2006/math">
                     <m:oMathParaPr>
@@ -7261,7 +7287,7 @@
             </p:txBody>
           </p:sp>
         </mc:Choice>
-        <mc:Fallback>
+        <mc:Fallback xmlns="">
           <p:sp>
             <p:nvSpPr>
               <p:cNvPr id="51" name="TextBox 50"/>
@@ -7300,8 +7326,8 @@
           </p:sp>
         </mc:Fallback>
       </mc:AlternateContent>
-      <mc:AlternateContent xmlns:mc="http://schemas.openxmlformats.org/markup-compatibility/2006">
-        <mc:Choice xmlns:a14="http://schemas.microsoft.com/office/drawing/2010/main" Requires="a14">
+      <mc:AlternateContent xmlns:mc="http://schemas.openxmlformats.org/markup-compatibility/2006" xmlns:a14="http://schemas.microsoft.com/office/drawing/2010/main">
+        <mc:Choice Requires="a14">
           <p:sp>
             <p:nvSpPr>
               <p:cNvPr id="52" name="TextBox 51"/>
@@ -7324,6 +7350,7 @@
               </a:bodyPr>
               <a:lstStyle/>
               <a:p>
+                <a:pPr/>
                 <a14:m>
                   <m:oMathPara xmlns:m="http://schemas.openxmlformats.org/officeDocument/2006/math">
                     <m:oMathParaPr>
@@ -7363,7 +7390,7 @@
             </p:txBody>
           </p:sp>
         </mc:Choice>
-        <mc:Fallback>
+        <mc:Fallback xmlns="">
           <p:sp>
             <p:nvSpPr>
               <p:cNvPr id="52" name="TextBox 51"/>
@@ -7402,8 +7429,8 @@
           </p:sp>
         </mc:Fallback>
       </mc:AlternateContent>
-      <mc:AlternateContent xmlns:mc="http://schemas.openxmlformats.org/markup-compatibility/2006">
-        <mc:Choice xmlns:a14="http://schemas.microsoft.com/office/drawing/2010/main" Requires="a14">
+      <mc:AlternateContent xmlns:mc="http://schemas.openxmlformats.org/markup-compatibility/2006" xmlns:a14="http://schemas.microsoft.com/office/drawing/2010/main">
+        <mc:Choice Requires="a14">
           <p:sp>
             <p:nvSpPr>
               <p:cNvPr id="53" name="TextBox 52"/>
@@ -7426,6 +7453,7 @@
               </a:bodyPr>
               <a:lstStyle/>
               <a:p>
+                <a:pPr/>
                 <a14:m>
                   <m:oMathPara xmlns:m="http://schemas.openxmlformats.org/officeDocument/2006/math">
                     <m:oMathParaPr>
@@ -7465,7 +7493,7 @@
             </p:txBody>
           </p:sp>
         </mc:Choice>
-        <mc:Fallback>
+        <mc:Fallback xmlns="">
           <p:sp>
             <p:nvSpPr>
               <p:cNvPr id="53" name="TextBox 52"/>
@@ -7504,8 +7532,8 @@
           </p:sp>
         </mc:Fallback>
       </mc:AlternateContent>
-      <mc:AlternateContent xmlns:mc="http://schemas.openxmlformats.org/markup-compatibility/2006">
-        <mc:Choice xmlns:a14="http://schemas.microsoft.com/office/drawing/2010/main" Requires="a14">
+      <mc:AlternateContent xmlns:mc="http://schemas.openxmlformats.org/markup-compatibility/2006" xmlns:a14="http://schemas.microsoft.com/office/drawing/2010/main">
+        <mc:Choice Requires="a14">
           <p:sp>
             <p:nvSpPr>
               <p:cNvPr id="54" name="TextBox 53"/>
@@ -7528,6 +7556,7 @@
               </a:bodyPr>
               <a:lstStyle/>
               <a:p>
+                <a:pPr/>
                 <a14:m>
                   <m:oMathPara xmlns:m="http://schemas.openxmlformats.org/officeDocument/2006/math">
                     <m:oMathParaPr>
@@ -7567,7 +7596,7 @@
             </p:txBody>
           </p:sp>
         </mc:Choice>
-        <mc:Fallback>
+        <mc:Fallback xmlns="">
           <p:sp>
             <p:nvSpPr>
               <p:cNvPr id="54" name="TextBox 53"/>
@@ -7606,8 +7635,8 @@
           </p:sp>
         </mc:Fallback>
       </mc:AlternateContent>
-      <mc:AlternateContent xmlns:mc="http://schemas.openxmlformats.org/markup-compatibility/2006">
-        <mc:Choice xmlns:a14="http://schemas.microsoft.com/office/drawing/2010/main" Requires="a14">
+      <mc:AlternateContent xmlns:mc="http://schemas.openxmlformats.org/markup-compatibility/2006" xmlns:a14="http://schemas.microsoft.com/office/drawing/2010/main">
+        <mc:Choice Requires="a14">
           <p:sp>
             <p:nvSpPr>
               <p:cNvPr id="55" name="TextBox 54"/>
@@ -7630,6 +7659,7 @@
               </a:bodyPr>
               <a:lstStyle/>
               <a:p>
+                <a:pPr/>
                 <a14:m>
                   <m:oMathPara xmlns:m="http://schemas.openxmlformats.org/officeDocument/2006/math">
                     <m:oMathParaPr>
@@ -7669,7 +7699,7 @@
             </p:txBody>
           </p:sp>
         </mc:Choice>
-        <mc:Fallback>
+        <mc:Fallback xmlns="">
           <p:sp>
             <p:nvSpPr>
               <p:cNvPr id="55" name="TextBox 54"/>
@@ -7708,8 +7738,8 @@
           </p:sp>
         </mc:Fallback>
       </mc:AlternateContent>
-      <mc:AlternateContent xmlns:mc="http://schemas.openxmlformats.org/markup-compatibility/2006">
-        <mc:Choice xmlns:a14="http://schemas.microsoft.com/office/drawing/2010/main" Requires="a14">
+      <mc:AlternateContent xmlns:mc="http://schemas.openxmlformats.org/markup-compatibility/2006" xmlns:a14="http://schemas.microsoft.com/office/drawing/2010/main">
+        <mc:Choice Requires="a14">
           <p:sp>
             <p:nvSpPr>
               <p:cNvPr id="56" name="TextBox 55"/>
@@ -7732,6 +7762,7 @@
               </a:bodyPr>
               <a:lstStyle/>
               <a:p>
+                <a:pPr/>
                 <a14:m>
                   <m:oMathPara xmlns:m="http://schemas.openxmlformats.org/officeDocument/2006/math">
                     <m:oMathParaPr>
@@ -7771,7 +7802,7 @@
             </p:txBody>
           </p:sp>
         </mc:Choice>
-        <mc:Fallback>
+        <mc:Fallback xmlns="">
           <p:sp>
             <p:nvSpPr>
               <p:cNvPr id="56" name="TextBox 55"/>
@@ -7810,8 +7841,8 @@
           </p:sp>
         </mc:Fallback>
       </mc:AlternateContent>
-      <mc:AlternateContent xmlns:mc="http://schemas.openxmlformats.org/markup-compatibility/2006">
-        <mc:Choice xmlns:a14="http://schemas.microsoft.com/office/drawing/2010/main" Requires="a14">
+      <mc:AlternateContent xmlns:mc="http://schemas.openxmlformats.org/markup-compatibility/2006" xmlns:a14="http://schemas.microsoft.com/office/drawing/2010/main">
+        <mc:Choice Requires="a14">
           <p:sp>
             <p:nvSpPr>
               <p:cNvPr id="57" name="TextBox 56"/>
@@ -7834,6 +7865,7 @@
               </a:bodyPr>
               <a:lstStyle/>
               <a:p>
+                <a:pPr/>
                 <a14:m>
                   <m:oMathPara xmlns:m="http://schemas.openxmlformats.org/officeDocument/2006/math">
                     <m:oMathParaPr>
@@ -7873,7 +7905,7 @@
             </p:txBody>
           </p:sp>
         </mc:Choice>
-        <mc:Fallback>
+        <mc:Fallback xmlns="">
           <p:sp>
             <p:nvSpPr>
               <p:cNvPr id="57" name="TextBox 56"/>
@@ -7912,8 +7944,8 @@
           </p:sp>
         </mc:Fallback>
       </mc:AlternateContent>
-      <mc:AlternateContent xmlns:mc="http://schemas.openxmlformats.org/markup-compatibility/2006">
-        <mc:Choice xmlns:a14="http://schemas.microsoft.com/office/drawing/2010/main" Requires="a14">
+      <mc:AlternateContent xmlns:mc="http://schemas.openxmlformats.org/markup-compatibility/2006" xmlns:a14="http://schemas.microsoft.com/office/drawing/2010/main">
+        <mc:Choice Requires="a14">
           <p:sp>
             <p:nvSpPr>
               <p:cNvPr id="58" name="TextBox 57"/>
@@ -7936,6 +7968,7 @@
               </a:bodyPr>
               <a:lstStyle/>
               <a:p>
+                <a:pPr/>
                 <a14:m>
                   <m:oMathPara xmlns:m="http://schemas.openxmlformats.org/officeDocument/2006/math">
                     <m:oMathParaPr>
@@ -7975,7 +8008,7 @@
             </p:txBody>
           </p:sp>
         </mc:Choice>
-        <mc:Fallback>
+        <mc:Fallback xmlns="">
           <p:sp>
             <p:nvSpPr>
               <p:cNvPr id="58" name="TextBox 57"/>
@@ -8014,8 +8047,8 @@
           </p:sp>
         </mc:Fallback>
       </mc:AlternateContent>
-      <mc:AlternateContent xmlns:mc="http://schemas.openxmlformats.org/markup-compatibility/2006">
-        <mc:Choice xmlns:a14="http://schemas.microsoft.com/office/drawing/2010/main" Requires="a14">
+      <mc:AlternateContent xmlns:mc="http://schemas.openxmlformats.org/markup-compatibility/2006" xmlns:a14="http://schemas.microsoft.com/office/drawing/2010/main">
+        <mc:Choice Requires="a14">
           <p:sp>
             <p:nvSpPr>
               <p:cNvPr id="59" name="TextBox 58"/>
@@ -8038,6 +8071,7 @@
               </a:bodyPr>
               <a:lstStyle/>
               <a:p>
+                <a:pPr/>
                 <a14:m>
                   <m:oMathPara xmlns:m="http://schemas.openxmlformats.org/officeDocument/2006/math">
                     <m:oMathParaPr>
@@ -8077,7 +8111,7 @@
             </p:txBody>
           </p:sp>
         </mc:Choice>
-        <mc:Fallback>
+        <mc:Fallback xmlns="">
           <p:sp>
             <p:nvSpPr>
               <p:cNvPr id="59" name="TextBox 58"/>
@@ -8116,8 +8150,8 @@
           </p:sp>
         </mc:Fallback>
       </mc:AlternateContent>
-      <mc:AlternateContent xmlns:mc="http://schemas.openxmlformats.org/markup-compatibility/2006">
-        <mc:Choice xmlns:a14="http://schemas.microsoft.com/office/drawing/2010/main" Requires="a14">
+      <mc:AlternateContent xmlns:mc="http://schemas.openxmlformats.org/markup-compatibility/2006" xmlns:a14="http://schemas.microsoft.com/office/drawing/2010/main">
+        <mc:Choice Requires="a14">
           <p:sp>
             <p:nvSpPr>
               <p:cNvPr id="60" name="TextBox 59"/>
@@ -8140,6 +8174,7 @@
               </a:bodyPr>
               <a:lstStyle/>
               <a:p>
+                <a:pPr/>
                 <a14:m>
                   <m:oMathPara xmlns:m="http://schemas.openxmlformats.org/officeDocument/2006/math">
                     <m:oMathParaPr>
@@ -8179,7 +8214,7 @@
             </p:txBody>
           </p:sp>
         </mc:Choice>
-        <mc:Fallback>
+        <mc:Fallback xmlns="">
           <p:sp>
             <p:nvSpPr>
               <p:cNvPr id="60" name="TextBox 59"/>
@@ -8218,8 +8253,8 @@
           </p:sp>
         </mc:Fallback>
       </mc:AlternateContent>
-      <mc:AlternateContent xmlns:mc="http://schemas.openxmlformats.org/markup-compatibility/2006">
-        <mc:Choice xmlns:a14="http://schemas.microsoft.com/office/drawing/2010/main" Requires="a14">
+      <mc:AlternateContent xmlns:mc="http://schemas.openxmlformats.org/markup-compatibility/2006" xmlns:a14="http://schemas.microsoft.com/office/drawing/2010/main">
+        <mc:Choice Requires="a14">
           <p:sp>
             <p:nvSpPr>
               <p:cNvPr id="61" name="TextBox 60"/>
@@ -8350,7 +8385,7 @@
             </p:txBody>
           </p:sp>
         </mc:Choice>
-        <mc:Fallback>
+        <mc:Fallback xmlns="">
           <p:sp>
             <p:nvSpPr>
               <p:cNvPr id="61" name="TextBox 60"/>
@@ -8455,8 +8490,8 @@
           </a:fontRef>
         </p:style>
       </p:cxnSp>
-      <mc:AlternateContent xmlns:mc="http://schemas.openxmlformats.org/markup-compatibility/2006">
-        <mc:Choice xmlns:a14="http://schemas.microsoft.com/office/drawing/2010/main" Requires="a14">
+      <mc:AlternateContent xmlns:mc="http://schemas.openxmlformats.org/markup-compatibility/2006" xmlns:a14="http://schemas.microsoft.com/office/drawing/2010/main">
+        <mc:Choice Requires="a14">
           <p:sp>
             <p:nvSpPr>
               <p:cNvPr id="64" name="TextBox 63"/>
@@ -8479,6 +8514,7 @@
               </a:bodyPr>
               <a:lstStyle/>
               <a:p>
+                <a:pPr/>
                 <a14:m>
                   <m:oMathPara xmlns:m="http://schemas.openxmlformats.org/officeDocument/2006/math">
                     <m:oMathParaPr>
@@ -8518,7 +8554,7 @@
             </p:txBody>
           </p:sp>
         </mc:Choice>
-        <mc:Fallback>
+        <mc:Fallback xmlns="">
           <p:sp>
             <p:nvSpPr>
               <p:cNvPr id="64" name="TextBox 63"/>
@@ -8561,6 +8597,3092 @@
     <p:extLst>
       <p:ext uri="{BB962C8B-B14F-4D97-AF65-F5344CB8AC3E}">
         <p14:creationId xmlns:p14="http://schemas.microsoft.com/office/powerpoint/2010/main" val="3972775353"/>
+      </p:ext>
+    </p:extLst>
+  </p:cSld>
+  <p:clrMapOvr>
+    <a:masterClrMapping/>
+  </p:clrMapOvr>
+</p:sld>
+</file>
+
+<file path=ppt/slides/slide4.xml><?xml version="1.0" encoding="utf-8"?>
+<p:sld xmlns:a="http://schemas.openxmlformats.org/drawingml/2006/main" xmlns:r="http://schemas.openxmlformats.org/officeDocument/2006/relationships" xmlns:p="http://schemas.openxmlformats.org/presentationml/2006/main">
+  <p:cSld>
+    <p:spTree>
+      <p:nvGrpSpPr>
+        <p:cNvPr id="1" name=""/>
+        <p:cNvGrpSpPr/>
+        <p:nvPr/>
+      </p:nvGrpSpPr>
+      <p:grpSpPr>
+        <a:xfrm>
+          <a:off x="0" y="0"/>
+          <a:ext cx="0" cy="0"/>
+          <a:chOff x="0" y="0"/>
+          <a:chExt cx="0" cy="0"/>
+        </a:xfrm>
+      </p:grpSpPr>
+      <mc:AlternateContent xmlns:mc="http://schemas.openxmlformats.org/markup-compatibility/2006" xmlns:a14="http://schemas.microsoft.com/office/drawing/2010/main">
+        <mc:Choice Requires="a14">
+          <p:sp>
+            <p:nvSpPr>
+              <p:cNvPr id="2" name="TextBox 1"/>
+              <p:cNvSpPr txBox="1"/>
+              <p:nvPr/>
+            </p:nvSpPr>
+            <p:spPr>
+              <a:xfrm>
+                <a:off x="0" y="0"/>
+                <a:ext cx="9144000" cy="1222642"/>
+              </a:xfrm>
+              <a:prstGeom prst="rect">
+                <a:avLst/>
+              </a:prstGeom>
+              <a:noFill/>
+            </p:spPr>
+            <p:txBody>
+              <a:bodyPr wrap="square" rtlCol="0">
+                <a:spAutoFit/>
+              </a:bodyPr>
+              <a:lstStyle/>
+              <a:p>
+                <a:r>
+                  <a:rPr lang="ja-JP" altLang="en-US" dirty="0" smtClean="0"/>
+                  <a:t>実装：</a:t>
+                </a:r>
+                <a:r>
+                  <a:rPr lang="en-US" altLang="ja-JP" dirty="0" smtClean="0"/>
+                  <a:t>KDERoadGenerator2::</a:t>
+                </a:r>
+                <a:r>
+                  <a:rPr lang="en-US" altLang="ja-JP" dirty="0" err="1" smtClean="0"/>
+                  <a:t>getItem</a:t>
+                </a:r>
+                <a:r>
+                  <a:rPr lang="en-US" altLang="ja-JP" dirty="0" smtClean="0"/>
+                  <a:t>()</a:t>
+                </a:r>
+                <a:r>
+                  <a:rPr lang="ja-JP" altLang="en-US" dirty="0" smtClean="0"/>
+                  <a:t>関数</a:t>
+                </a:r>
+                <a:endParaRPr lang="en-US" altLang="ja-JP" dirty="0" smtClean="0"/>
+              </a:p>
+              <a:p>
+                <a:endParaRPr lang="en-US" dirty="0"/>
+              </a:p>
+              <a:p>
+                <a:r>
+                  <a:rPr lang="ja-JP" altLang="en-US" dirty="0" smtClean="0"/>
+                  <a:t>ある頂点</a:t>
+                </a:r>
+                <a14:m>
+                  <m:oMath xmlns:m="http://schemas.openxmlformats.org/officeDocument/2006/math">
+                    <m:sSub>
+                      <m:sSubPr>
+                        <m:ctrlPr>
+                          <a:rPr lang="en-US" i="1">
+                            <a:latin typeface="Cambria Math"/>
+                            <a:ea typeface="Cambria Math"/>
+                          </a:rPr>
+                        </m:ctrlPr>
+                      </m:sSubPr>
+                      <m:e>
+                        <m:r>
+                          <a:rPr lang="en-US" i="1">
+                            <a:latin typeface="Cambria Math"/>
+                            <a:ea typeface="Cambria Math"/>
+                          </a:rPr>
+                          <m:t>𝑣</m:t>
+                        </m:r>
+                      </m:e>
+                      <m:sub>
+                        <m:r>
+                          <a:rPr lang="en-US" i="1">
+                            <a:latin typeface="Cambria Math"/>
+                            <a:ea typeface="Cambria Math"/>
+                          </a:rPr>
+                          <m:t>𝑖</m:t>
+                        </m:r>
+                      </m:sub>
+                    </m:sSub>
+                  </m:oMath>
+                </a14:m>
+                <a:r>
+                  <a:rPr lang="ja-JP" altLang="en-US" dirty="0" smtClean="0"/>
+                  <a:t>について、隣接頂点</a:t>
+                </a:r>
+                <a14:m>
+                  <m:oMath xmlns:m="http://schemas.openxmlformats.org/officeDocument/2006/math">
+                    <m:sSub>
+                      <m:sSubPr>
+                        <m:ctrlPr>
+                          <a:rPr lang="en-US" i="1">
+                            <a:latin typeface="Cambria Math"/>
+                            <a:ea typeface="Cambria Math"/>
+                          </a:rPr>
+                        </m:ctrlPr>
+                      </m:sSubPr>
+                      <m:e>
+                        <m:r>
+                          <a:rPr lang="en-US" i="1">
+                            <a:latin typeface="Cambria Math"/>
+                            <a:ea typeface="Cambria Math"/>
+                          </a:rPr>
+                          <m:t>𝑣</m:t>
+                        </m:r>
+                      </m:e>
+                      <m:sub>
+                        <m:r>
+                          <a:rPr lang="en-US" i="1">
+                            <a:latin typeface="Cambria Math"/>
+                            <a:ea typeface="Cambria Math"/>
+                          </a:rPr>
+                          <m:t>𝑗</m:t>
+                        </m:r>
+                      </m:sub>
+                    </m:sSub>
+                  </m:oMath>
+                </a14:m>
+                <a:r>
+                  <a:rPr lang="ja-JP" altLang="en-US" dirty="0" smtClean="0"/>
+                  <a:t>の道路カーネルが</a:t>
+                </a:r>
+                <a14:m>
+                  <m:oMath xmlns:m="http://schemas.openxmlformats.org/officeDocument/2006/math">
+                    <m:sSub>
+                      <m:sSubPr>
+                        <m:ctrlPr>
+                          <a:rPr lang="en-US" altLang="ja-JP" i="1" smtClean="0">
+                            <a:latin typeface="Cambria Math"/>
+                          </a:rPr>
+                        </m:ctrlPr>
+                      </m:sSubPr>
+                      <m:e>
+                        <m:r>
+                          <a:rPr lang="en-US" altLang="ja-JP" b="0" i="1" smtClean="0">
+                            <a:latin typeface="Cambria Math"/>
+                          </a:rPr>
+                          <m:t>𝐾</m:t>
+                        </m:r>
+                      </m:e>
+                      <m:sub>
+                        <m:r>
+                          <a:rPr lang="en-US" altLang="ja-JP" b="0" i="1" smtClean="0">
+                            <a:latin typeface="Cambria Math"/>
+                          </a:rPr>
+                          <m:t>𝑗</m:t>
+                        </m:r>
+                      </m:sub>
+                    </m:sSub>
+                  </m:oMath>
+                </a14:m>
+                <a:r>
+                  <a:rPr lang="ja-JP" altLang="en-US" dirty="0"/>
+                  <a:t>の時、頂点</a:t>
+                </a:r>
+                <a14:m>
+                  <m:oMath xmlns:m="http://schemas.openxmlformats.org/officeDocument/2006/math">
+                    <m:sSub>
+                      <m:sSubPr>
+                        <m:ctrlPr>
+                          <a:rPr lang="en-US" i="1">
+                            <a:latin typeface="Cambria Math"/>
+                            <a:ea typeface="Cambria Math"/>
+                          </a:rPr>
+                        </m:ctrlPr>
+                      </m:sSubPr>
+                      <m:e>
+                        <m:r>
+                          <a:rPr lang="en-US" i="1">
+                            <a:latin typeface="Cambria Math"/>
+                            <a:ea typeface="Cambria Math"/>
+                          </a:rPr>
+                          <m:t>𝑣</m:t>
+                        </m:r>
+                      </m:e>
+                      <m:sub>
+                        <m:r>
+                          <a:rPr lang="en-US" i="1">
+                            <a:latin typeface="Cambria Math"/>
+                            <a:ea typeface="Cambria Math"/>
+                          </a:rPr>
+                          <m:t>𝑖</m:t>
+                        </m:r>
+                      </m:sub>
+                    </m:sSub>
+                  </m:oMath>
+                </a14:m>
+                <a:r>
+                  <a:rPr lang="ja-JP" altLang="en-US" dirty="0" smtClean="0"/>
+                  <a:t>に対する道</a:t>
+                </a:r>
+                <a:r>
+                  <a:rPr lang="ja-JP" altLang="en-US" dirty="0"/>
+                  <a:t>路カーネルの候補</a:t>
+                </a:r>
+                <a14:m>
+                  <m:oMath xmlns:m="http://schemas.openxmlformats.org/officeDocument/2006/math">
+                    <m:r>
+                      <a:rPr lang="en-US" altLang="ja-JP" b="0" i="1" smtClean="0">
+                        <a:latin typeface="Cambria Math"/>
+                      </a:rPr>
+                      <m:t>𝐾</m:t>
+                    </m:r>
+                  </m:oMath>
+                </a14:m>
+                <a:r>
+                  <a:rPr lang="ja-JP" altLang="en-US" dirty="0" smtClean="0"/>
+                  <a:t>のズレを以下のようして数値化する。</a:t>
+                </a:r>
+                <a:endParaRPr lang="en-US" dirty="0"/>
+              </a:p>
+            </p:txBody>
+          </p:sp>
+        </mc:Choice>
+        <mc:Fallback xmlns="">
+          <p:sp>
+            <p:nvSpPr>
+              <p:cNvPr id="2" name="TextBox 1"/>
+              <p:cNvSpPr txBox="1">
+                <a:spLocks noRot="1" noChangeAspect="1" noMove="1" noResize="1" noEditPoints="1" noAdjustHandles="1" noChangeArrowheads="1" noChangeShapeType="1" noTextEdit="1"/>
+              </p:cNvSpPr>
+              <p:nvPr/>
+            </p:nvSpPr>
+            <p:spPr>
+              <a:xfrm>
+                <a:off x="0" y="0"/>
+                <a:ext cx="9144000" cy="1222642"/>
+              </a:xfrm>
+              <a:prstGeom prst="rect">
+                <a:avLst/>
+              </a:prstGeom>
+              <a:blipFill rotWithShape="1">
+                <a:blip r:embed="rId2"/>
+                <a:stretch>
+                  <a:fillRect l="-533" t="-3980" b="-4975"/>
+                </a:stretch>
+              </a:blipFill>
+            </p:spPr>
+            <p:txBody>
+              <a:bodyPr/>
+              <a:lstStyle/>
+              <a:p>
+                <a:r>
+                  <a:rPr lang="en-US">
+                    <a:noFill/>
+                  </a:rPr>
+                  <a:t> </a:t>
+                </a:r>
+              </a:p>
+            </p:txBody>
+          </p:sp>
+        </mc:Fallback>
+      </mc:AlternateContent>
+      <p:cxnSp>
+        <p:nvCxnSpPr>
+          <p:cNvPr id="4" name="Straight Connector 3"/>
+          <p:cNvCxnSpPr/>
+          <p:nvPr/>
+        </p:nvCxnSpPr>
+        <p:spPr>
+          <a:xfrm flipH="1">
+            <a:off x="6084571" y="3412572"/>
+            <a:ext cx="685800" cy="1676400"/>
+          </a:xfrm>
+          <a:prstGeom prst="line">
+            <a:avLst/>
+          </a:prstGeom>
+          <a:ln>
+            <a:solidFill>
+              <a:schemeClr val="tx1"/>
+            </a:solidFill>
+            <a:headEnd type="arrow"/>
+            <a:tailEnd type="none"/>
+          </a:ln>
+        </p:spPr>
+        <p:style>
+          <a:lnRef idx="1">
+            <a:schemeClr val="accent1"/>
+          </a:lnRef>
+          <a:fillRef idx="0">
+            <a:schemeClr val="accent1"/>
+          </a:fillRef>
+          <a:effectRef idx="0">
+            <a:schemeClr val="accent1"/>
+          </a:effectRef>
+          <a:fontRef idx="minor">
+            <a:schemeClr val="tx1"/>
+          </a:fontRef>
+        </p:style>
+      </p:cxnSp>
+      <p:sp>
+        <p:nvSpPr>
+          <p:cNvPr id="7" name="Oval 6"/>
+          <p:cNvSpPr/>
+          <p:nvPr/>
+        </p:nvSpPr>
+        <p:spPr>
+          <a:xfrm>
+            <a:off x="6046471" y="5050872"/>
+            <a:ext cx="76200" cy="76200"/>
+          </a:xfrm>
+          <a:prstGeom prst="ellipse">
+            <a:avLst/>
+          </a:prstGeom>
+          <a:solidFill>
+            <a:schemeClr val="tx1"/>
+          </a:solidFill>
+          <a:ln>
+            <a:solidFill>
+              <a:schemeClr val="tx1"/>
+            </a:solidFill>
+          </a:ln>
+        </p:spPr>
+        <p:style>
+          <a:lnRef idx="2">
+            <a:schemeClr val="accent1">
+              <a:shade val="50000"/>
+            </a:schemeClr>
+          </a:lnRef>
+          <a:fillRef idx="1">
+            <a:schemeClr val="accent1"/>
+          </a:fillRef>
+          <a:effectRef idx="0">
+            <a:schemeClr val="accent1"/>
+          </a:effectRef>
+          <a:fontRef idx="minor">
+            <a:schemeClr val="lt1"/>
+          </a:fontRef>
+        </p:style>
+        <p:txBody>
+          <a:bodyPr rtlCol="0" anchor="ctr"/>
+          <a:lstStyle/>
+          <a:p>
+            <a:pPr algn="ctr"/>
+            <a:endParaRPr lang="en-US"/>
+          </a:p>
+        </p:txBody>
+      </p:sp>
+      <mc:AlternateContent xmlns:mc="http://schemas.openxmlformats.org/markup-compatibility/2006" xmlns:a14="http://schemas.microsoft.com/office/drawing/2010/main">
+        <mc:Choice Requires="a14">
+          <p:sp>
+            <p:nvSpPr>
+              <p:cNvPr id="8" name="TextBox 7"/>
+              <p:cNvSpPr txBox="1"/>
+              <p:nvPr/>
+            </p:nvSpPr>
+            <p:spPr>
+              <a:xfrm>
+                <a:off x="5674996" y="5138362"/>
+                <a:ext cx="516680" cy="369332"/>
+              </a:xfrm>
+              <a:prstGeom prst="rect">
+                <a:avLst/>
+              </a:prstGeom>
+              <a:noFill/>
+            </p:spPr>
+            <p:txBody>
+              <a:bodyPr wrap="none" rtlCol="0">
+                <a:spAutoFit/>
+              </a:bodyPr>
+              <a:lstStyle/>
+              <a:p>
+                <a:pPr/>
+                <a14:m>
+                  <m:oMathPara xmlns:m="http://schemas.openxmlformats.org/officeDocument/2006/math">
+                    <m:oMathParaPr>
+                      <m:jc m:val="centerGroup"/>
+                    </m:oMathParaPr>
+                    <m:oMath xmlns:m="http://schemas.openxmlformats.org/officeDocument/2006/math">
+                      <m:sSub>
+                        <m:sSubPr>
+                          <m:ctrlPr>
+                            <a:rPr lang="en-US" i="1" smtClean="0">
+                              <a:latin typeface="Cambria Math"/>
+                            </a:rPr>
+                          </m:ctrlPr>
+                        </m:sSubPr>
+                        <m:e>
+                          <m:r>
+                            <a:rPr lang="en-US" b="1" i="1" smtClean="0">
+                              <a:latin typeface="Cambria Math"/>
+                            </a:rPr>
+                            <m:t>𝒑</m:t>
+                          </m:r>
+                        </m:e>
+                        <m:sub>
+                          <m:r>
+                            <a:rPr lang="en-US" b="0" i="1" smtClean="0">
+                              <a:latin typeface="Cambria Math"/>
+                            </a:rPr>
+                            <m:t>𝐾</m:t>
+                          </m:r>
+                        </m:sub>
+                      </m:sSub>
+                    </m:oMath>
+                  </m:oMathPara>
+                </a14:m>
+                <a:endParaRPr lang="en-US" dirty="0"/>
+              </a:p>
+            </p:txBody>
+          </p:sp>
+        </mc:Choice>
+        <mc:Fallback xmlns="">
+          <p:sp>
+            <p:nvSpPr>
+              <p:cNvPr id="8" name="TextBox 7"/>
+              <p:cNvSpPr txBox="1">
+                <a:spLocks noRot="1" noChangeAspect="1" noMove="1" noResize="1" noEditPoints="1" noAdjustHandles="1" noChangeArrowheads="1" noChangeShapeType="1" noTextEdit="1"/>
+              </p:cNvSpPr>
+              <p:nvPr/>
+            </p:nvSpPr>
+            <p:spPr>
+              <a:xfrm>
+                <a:off x="5674996" y="5138362"/>
+                <a:ext cx="516680" cy="369332"/>
+              </a:xfrm>
+              <a:prstGeom prst="rect">
+                <a:avLst/>
+              </a:prstGeom>
+              <a:blipFill rotWithShape="1">
+                <a:blip r:embed="rId3"/>
+                <a:stretch>
+                  <a:fillRect b="-6667"/>
+                </a:stretch>
+              </a:blipFill>
+            </p:spPr>
+            <p:txBody>
+              <a:bodyPr/>
+              <a:lstStyle/>
+              <a:p>
+                <a:r>
+                  <a:rPr lang="en-US">
+                    <a:noFill/>
+                  </a:rPr>
+                  <a:t> </a:t>
+                </a:r>
+              </a:p>
+            </p:txBody>
+          </p:sp>
+        </mc:Fallback>
+      </mc:AlternateContent>
+      <mc:AlternateContent xmlns:mc="http://schemas.openxmlformats.org/markup-compatibility/2006" xmlns:a14="http://schemas.microsoft.com/office/drawing/2010/main">
+        <mc:Choice Requires="a14">
+          <p:sp>
+            <p:nvSpPr>
+              <p:cNvPr id="10" name="TextBox 9"/>
+              <p:cNvSpPr txBox="1"/>
+              <p:nvPr/>
+            </p:nvSpPr>
+            <p:spPr>
+              <a:xfrm>
+                <a:off x="7138050" y="2891319"/>
+                <a:ext cx="585930" cy="424347"/>
+              </a:xfrm>
+              <a:prstGeom prst="rect">
+                <a:avLst/>
+              </a:prstGeom>
+              <a:noFill/>
+            </p:spPr>
+            <p:txBody>
+              <a:bodyPr wrap="none" rtlCol="0">
+                <a:spAutoFit/>
+              </a:bodyPr>
+              <a:lstStyle/>
+              <a:p>
+                <a:pPr/>
+                <a14:m>
+                  <m:oMathPara xmlns:m="http://schemas.openxmlformats.org/officeDocument/2006/math">
+                    <m:oMathParaPr>
+                      <m:jc m:val="centerGroup"/>
+                    </m:oMathParaPr>
+                    <m:oMath xmlns:m="http://schemas.openxmlformats.org/officeDocument/2006/math">
+                      <m:sSub>
+                        <m:sSubPr>
+                          <m:ctrlPr>
+                            <a:rPr lang="en-US" i="1" smtClean="0">
+                              <a:latin typeface="Cambria Math"/>
+                            </a:rPr>
+                          </m:ctrlPr>
+                        </m:sSubPr>
+                        <m:e>
+                          <m:r>
+                            <a:rPr lang="en-US" b="1" i="1" smtClean="0">
+                              <a:latin typeface="Cambria Math"/>
+                            </a:rPr>
+                            <m:t>𝒑</m:t>
+                          </m:r>
+                        </m:e>
+                        <m:sub>
+                          <m:sSub>
+                            <m:sSubPr>
+                              <m:ctrlPr>
+                                <a:rPr lang="en-US" i="1" smtClean="0">
+                                  <a:latin typeface="Cambria Math"/>
+                                </a:rPr>
+                              </m:ctrlPr>
+                            </m:sSubPr>
+                            <m:e>
+                              <m:r>
+                                <a:rPr lang="en-US" b="0" i="1" smtClean="0">
+                                  <a:latin typeface="Cambria Math"/>
+                                </a:rPr>
+                                <m:t>𝐾</m:t>
+                              </m:r>
+                            </m:e>
+                            <m:sub>
+                              <m:r>
+                                <a:rPr lang="en-US" b="0" i="1" smtClean="0">
+                                  <a:latin typeface="Cambria Math"/>
+                                </a:rPr>
+                                <m:t>𝑗</m:t>
+                              </m:r>
+                            </m:sub>
+                          </m:sSub>
+                        </m:sub>
+                      </m:sSub>
+                    </m:oMath>
+                  </m:oMathPara>
+                </a14:m>
+                <a:endParaRPr lang="en-US" dirty="0"/>
+              </a:p>
+            </p:txBody>
+          </p:sp>
+        </mc:Choice>
+        <mc:Fallback xmlns="">
+          <p:sp>
+            <p:nvSpPr>
+              <p:cNvPr id="10" name="TextBox 9"/>
+              <p:cNvSpPr txBox="1">
+                <a:spLocks noRot="1" noChangeAspect="1" noMove="1" noResize="1" noEditPoints="1" noAdjustHandles="1" noChangeArrowheads="1" noChangeShapeType="1" noTextEdit="1"/>
+              </p:cNvSpPr>
+              <p:nvPr/>
+            </p:nvSpPr>
+            <p:spPr>
+              <a:xfrm>
+                <a:off x="7138050" y="2891319"/>
+                <a:ext cx="585930" cy="424347"/>
+              </a:xfrm>
+              <a:prstGeom prst="rect">
+                <a:avLst/>
+              </a:prstGeom>
+              <a:blipFill rotWithShape="1">
+                <a:blip r:embed="rId4"/>
+                <a:stretch>
+                  <a:fillRect b="-5714"/>
+                </a:stretch>
+              </a:blipFill>
+            </p:spPr>
+            <p:txBody>
+              <a:bodyPr/>
+              <a:lstStyle/>
+              <a:p>
+                <a:r>
+                  <a:rPr lang="en-US">
+                    <a:noFill/>
+                  </a:rPr>
+                  <a:t> </a:t>
+                </a:r>
+              </a:p>
+            </p:txBody>
+          </p:sp>
+        </mc:Fallback>
+      </mc:AlternateContent>
+      <p:sp>
+        <p:nvSpPr>
+          <p:cNvPr id="11" name="Oval 10"/>
+          <p:cNvSpPr/>
+          <p:nvPr/>
+        </p:nvSpPr>
+        <p:spPr>
+          <a:xfrm>
+            <a:off x="7162800" y="3364947"/>
+            <a:ext cx="76200" cy="76200"/>
+          </a:xfrm>
+          <a:prstGeom prst="ellipse">
+            <a:avLst/>
+          </a:prstGeom>
+          <a:solidFill>
+            <a:schemeClr val="tx1"/>
+          </a:solidFill>
+          <a:ln>
+            <a:solidFill>
+              <a:schemeClr val="tx1"/>
+            </a:solidFill>
+          </a:ln>
+        </p:spPr>
+        <p:style>
+          <a:lnRef idx="2">
+            <a:schemeClr val="accent1">
+              <a:shade val="50000"/>
+            </a:schemeClr>
+          </a:lnRef>
+          <a:fillRef idx="1">
+            <a:schemeClr val="accent1"/>
+          </a:fillRef>
+          <a:effectRef idx="0">
+            <a:schemeClr val="accent1"/>
+          </a:effectRef>
+          <a:fontRef idx="minor">
+            <a:schemeClr val="lt1"/>
+          </a:fontRef>
+        </p:style>
+        <p:txBody>
+          <a:bodyPr rtlCol="0" anchor="ctr"/>
+          <a:lstStyle/>
+          <a:p>
+            <a:pPr algn="ctr"/>
+            <a:endParaRPr lang="en-US"/>
+          </a:p>
+        </p:txBody>
+      </p:sp>
+      <mc:AlternateContent xmlns:mc="http://schemas.openxmlformats.org/markup-compatibility/2006" xmlns:a14="http://schemas.microsoft.com/office/drawing/2010/main">
+        <mc:Choice Requires="a14">
+          <p:sp>
+            <p:nvSpPr>
+              <p:cNvPr id="12" name="TextBox 11"/>
+              <p:cNvSpPr txBox="1"/>
+              <p:nvPr/>
+            </p:nvSpPr>
+            <p:spPr>
+              <a:xfrm>
+                <a:off x="2297104" y="1600200"/>
+                <a:ext cx="2851165" cy="795859"/>
+              </a:xfrm>
+              <a:prstGeom prst="rect">
+                <a:avLst/>
+              </a:prstGeom>
+              <a:noFill/>
+            </p:spPr>
+            <p:txBody>
+              <a:bodyPr wrap="none" rtlCol="0">
+                <a:spAutoFit/>
+              </a:bodyPr>
+              <a:lstStyle/>
+              <a:p>
+                <a:pPr/>
+                <a14:m>
+                  <m:oMathPara xmlns:m="http://schemas.openxmlformats.org/officeDocument/2006/math">
+                    <m:oMathParaPr>
+                      <m:jc m:val="centerGroup"/>
+                    </m:oMathParaPr>
+                    <m:oMath xmlns:m="http://schemas.openxmlformats.org/officeDocument/2006/math">
+                      <m:r>
+                        <a:rPr lang="en-US" i="1" smtClean="0">
+                          <a:latin typeface="Cambria Math"/>
+                          <a:ea typeface="Cambria Math"/>
+                        </a:rPr>
+                        <m:t>𝛿</m:t>
+                      </m:r>
+                      <m:d>
+                        <m:dPr>
+                          <m:ctrlPr>
+                            <a:rPr lang="en-US" i="1" smtClean="0">
+                              <a:latin typeface="Cambria Math"/>
+                              <a:ea typeface="Cambria Math"/>
+                            </a:rPr>
+                          </m:ctrlPr>
+                        </m:dPr>
+                        <m:e>
+                          <m:r>
+                            <a:rPr lang="en-US" b="0" i="1" smtClean="0">
+                              <a:latin typeface="Cambria Math"/>
+                              <a:ea typeface="Cambria Math"/>
+                            </a:rPr>
+                            <m:t>𝐾</m:t>
+                          </m:r>
+                        </m:e>
+                      </m:d>
+                      <m:r>
+                        <a:rPr lang="en-US" b="0" i="1" smtClean="0">
+                          <a:latin typeface="Cambria Math"/>
+                          <a:ea typeface="Cambria Math"/>
+                        </a:rPr>
+                        <m:t>=</m:t>
+                      </m:r>
+                      <m:nary>
+                        <m:naryPr>
+                          <m:chr m:val="∑"/>
+                          <m:supHide m:val="on"/>
+                          <m:ctrlPr>
+                            <a:rPr lang="en-US" b="0" i="1" smtClean="0">
+                              <a:latin typeface="Cambria Math"/>
+                              <a:ea typeface="Cambria Math"/>
+                            </a:rPr>
+                          </m:ctrlPr>
+                        </m:naryPr>
+                        <m:sub>
+                          <m:r>
+                            <m:rPr>
+                              <m:brk m:alnAt="7"/>
+                            </m:rPr>
+                            <a:rPr lang="en-US" b="0" i="1" smtClean="0">
+                              <a:latin typeface="Cambria Math"/>
+                              <a:ea typeface="Cambria Math"/>
+                            </a:rPr>
+                            <m:t>𝑗</m:t>
+                          </m:r>
+                        </m:sub>
+                        <m:sup/>
+                        <m:e>
+                          <m:sSub>
+                            <m:sSubPr>
+                              <m:ctrlPr>
+                                <a:rPr lang="en-US" i="1">
+                                  <a:latin typeface="Cambria Math"/>
+                                  <a:ea typeface="Cambria Math"/>
+                                </a:rPr>
+                              </m:ctrlPr>
+                            </m:sSubPr>
+                            <m:e>
+                              <m:r>
+                                <a:rPr lang="en-US" b="1" i="1">
+                                  <a:latin typeface="Cambria Math"/>
+                                  <a:ea typeface="Cambria Math"/>
+                                </a:rPr>
+                                <m:t>𝒑</m:t>
+                              </m:r>
+                            </m:e>
+                            <m:sub>
+                              <m:r>
+                                <a:rPr lang="en-US" b="0" i="1" smtClean="0">
+                                  <a:latin typeface="Cambria Math"/>
+                                  <a:ea typeface="Cambria Math"/>
+                                </a:rPr>
+                                <m:t>𝐾</m:t>
+                              </m:r>
+                            </m:sub>
+                          </m:sSub>
+                          <m:r>
+                            <a:rPr lang="en-US" i="1">
+                              <a:latin typeface="Cambria Math"/>
+                              <a:ea typeface="Cambria Math"/>
+                            </a:rPr>
+                            <m:t>+</m:t>
+                          </m:r>
+                          <m:sSub>
+                            <m:sSubPr>
+                              <m:ctrlPr>
+                                <a:rPr lang="en-US" i="1" smtClean="0">
+                                  <a:latin typeface="Cambria Math"/>
+                                  <a:ea typeface="Cambria Math"/>
+                                </a:rPr>
+                              </m:ctrlPr>
+                            </m:sSubPr>
+                            <m:e>
+                              <m:r>
+                                <a:rPr lang="en-US" b="1" i="1" smtClean="0">
+                                  <a:latin typeface="Cambria Math"/>
+                                  <a:ea typeface="Cambria Math"/>
+                                </a:rPr>
+                                <m:t>𝒆</m:t>
+                              </m:r>
+                            </m:e>
+                            <m:sub>
+                              <m:r>
+                                <a:rPr lang="en-US" b="0" i="1" smtClean="0">
+                                  <a:latin typeface="Cambria Math"/>
+                                  <a:ea typeface="Cambria Math"/>
+                                </a:rPr>
+                                <m:t>𝑗</m:t>
+                              </m:r>
+                            </m:sub>
+                          </m:sSub>
+                          <m:r>
+                            <a:rPr lang="en-US" i="1">
+                              <a:latin typeface="Cambria Math"/>
+                              <a:ea typeface="Cambria Math"/>
+                            </a:rPr>
+                            <m:t>−</m:t>
+                          </m:r>
+                          <m:sSub>
+                            <m:sSubPr>
+                              <m:ctrlPr>
+                                <a:rPr lang="en-US" i="1">
+                                  <a:latin typeface="Cambria Math"/>
+                                  <a:ea typeface="Cambria Math"/>
+                                </a:rPr>
+                              </m:ctrlPr>
+                            </m:sSubPr>
+                            <m:e>
+                              <m:r>
+                                <a:rPr lang="en-US" b="1" i="1">
+                                  <a:latin typeface="Cambria Math"/>
+                                  <a:ea typeface="Cambria Math"/>
+                                </a:rPr>
+                                <m:t>𝒑</m:t>
+                              </m:r>
+                            </m:e>
+                            <m:sub>
+                              <m:sSub>
+                                <m:sSubPr>
+                                  <m:ctrlPr>
+                                    <a:rPr lang="en-US" i="1">
+                                      <a:latin typeface="Cambria Math"/>
+                                      <a:ea typeface="Cambria Math"/>
+                                    </a:rPr>
+                                  </m:ctrlPr>
+                                </m:sSubPr>
+                                <m:e>
+                                  <m:r>
+                                    <a:rPr lang="en-US" i="1">
+                                      <a:latin typeface="Cambria Math"/>
+                                      <a:ea typeface="Cambria Math"/>
+                                    </a:rPr>
+                                    <m:t>𝐾</m:t>
+                                  </m:r>
+                                </m:e>
+                                <m:sub>
+                                  <m:r>
+                                    <a:rPr lang="en-US" i="1">
+                                      <a:latin typeface="Cambria Math"/>
+                                      <a:ea typeface="Cambria Math"/>
+                                    </a:rPr>
+                                    <m:t>𝑗</m:t>
+                                  </m:r>
+                                </m:sub>
+                              </m:sSub>
+                            </m:sub>
+                          </m:sSub>
+                        </m:e>
+                      </m:nary>
+                    </m:oMath>
+                  </m:oMathPara>
+                </a14:m>
+                <a:endParaRPr lang="en-US" dirty="0"/>
+              </a:p>
+            </p:txBody>
+          </p:sp>
+        </mc:Choice>
+        <mc:Fallback xmlns="">
+          <p:sp>
+            <p:nvSpPr>
+              <p:cNvPr id="12" name="TextBox 11"/>
+              <p:cNvSpPr txBox="1">
+                <a:spLocks noRot="1" noChangeAspect="1" noMove="1" noResize="1" noEditPoints="1" noAdjustHandles="1" noChangeArrowheads="1" noChangeShapeType="1" noTextEdit="1"/>
+              </p:cNvSpPr>
+              <p:nvPr/>
+            </p:nvSpPr>
+            <p:spPr>
+              <a:xfrm>
+                <a:off x="2297104" y="1600200"/>
+                <a:ext cx="2851165" cy="795859"/>
+              </a:xfrm>
+              <a:prstGeom prst="rect">
+                <a:avLst/>
+              </a:prstGeom>
+              <a:blipFill rotWithShape="1">
+                <a:blip r:embed="rId5"/>
+                <a:stretch>
+                  <a:fillRect/>
+                </a:stretch>
+              </a:blipFill>
+            </p:spPr>
+            <p:txBody>
+              <a:bodyPr/>
+              <a:lstStyle/>
+              <a:p>
+                <a:r>
+                  <a:rPr lang="en-US">
+                    <a:noFill/>
+                  </a:rPr>
+                  <a:t> </a:t>
+                </a:r>
+              </a:p>
+            </p:txBody>
+          </p:sp>
+        </mc:Fallback>
+      </mc:AlternateContent>
+      <p:sp>
+        <p:nvSpPr>
+          <p:cNvPr id="14" name="TextBox 13"/>
+          <p:cNvSpPr txBox="1"/>
+          <p:nvPr/>
+        </p:nvSpPr>
+        <p:spPr>
+          <a:xfrm>
+            <a:off x="5130962" y="5743575"/>
+            <a:ext cx="2593018" cy="369332"/>
+          </a:xfrm>
+          <a:prstGeom prst="rect">
+            <a:avLst/>
+          </a:prstGeom>
+          <a:noFill/>
+        </p:spPr>
+        <p:txBody>
+          <a:bodyPr wrap="none" rtlCol="0">
+            <a:spAutoFit/>
+          </a:bodyPr>
+          <a:lstStyle/>
+          <a:p>
+            <a:r>
+              <a:rPr lang="en-US" dirty="0" smtClean="0"/>
+              <a:t>Example</a:t>
+            </a:r>
+            <a:r>
+              <a:rPr lang="ja-JP" altLang="en-US" dirty="0" smtClean="0"/>
+              <a:t>の道路座標空間</a:t>
+            </a:r>
+            <a:endParaRPr lang="en-US" dirty="0"/>
+          </a:p>
+        </p:txBody>
+      </p:sp>
+      <p:sp>
+        <p:nvSpPr>
+          <p:cNvPr id="15" name="TextBox 14"/>
+          <p:cNvSpPr txBox="1"/>
+          <p:nvPr/>
+        </p:nvSpPr>
+        <p:spPr>
+          <a:xfrm>
+            <a:off x="609600" y="5743575"/>
+            <a:ext cx="2861681" cy="369332"/>
+          </a:xfrm>
+          <a:prstGeom prst="rect">
+            <a:avLst/>
+          </a:prstGeom>
+          <a:noFill/>
+        </p:spPr>
+        <p:txBody>
+          <a:bodyPr wrap="none" rtlCol="0">
+            <a:spAutoFit/>
+          </a:bodyPr>
+          <a:lstStyle/>
+          <a:p>
+            <a:r>
+              <a:rPr lang="ja-JP" altLang="en-US" dirty="0" smtClean="0"/>
+              <a:t>ターゲットエリアの座標空間</a:t>
+            </a:r>
+            <a:endParaRPr lang="en-US" dirty="0"/>
+          </a:p>
+        </p:txBody>
+      </p:sp>
+      <p:cxnSp>
+        <p:nvCxnSpPr>
+          <p:cNvPr id="16" name="Straight Connector 15"/>
+          <p:cNvCxnSpPr/>
+          <p:nvPr/>
+        </p:nvCxnSpPr>
+        <p:spPr>
+          <a:xfrm flipH="1">
+            <a:off x="1857375" y="3409950"/>
+            <a:ext cx="685800" cy="1676400"/>
+          </a:xfrm>
+          <a:prstGeom prst="line">
+            <a:avLst/>
+          </a:prstGeom>
+          <a:ln>
+            <a:solidFill>
+              <a:schemeClr val="tx1"/>
+            </a:solidFill>
+            <a:headEnd type="arrow"/>
+            <a:tailEnd type="none"/>
+          </a:ln>
+        </p:spPr>
+        <p:style>
+          <a:lnRef idx="1">
+            <a:schemeClr val="accent1"/>
+          </a:lnRef>
+          <a:fillRef idx="0">
+            <a:schemeClr val="accent1"/>
+          </a:fillRef>
+          <a:effectRef idx="0">
+            <a:schemeClr val="accent1"/>
+          </a:effectRef>
+          <a:fontRef idx="minor">
+            <a:schemeClr val="tx1"/>
+          </a:fontRef>
+        </p:style>
+      </p:cxnSp>
+      <p:sp>
+        <p:nvSpPr>
+          <p:cNvPr id="17" name="Oval 16"/>
+          <p:cNvSpPr/>
+          <p:nvPr/>
+        </p:nvSpPr>
+        <p:spPr>
+          <a:xfrm>
+            <a:off x="1819275" y="5048250"/>
+            <a:ext cx="76200" cy="76200"/>
+          </a:xfrm>
+          <a:prstGeom prst="ellipse">
+            <a:avLst/>
+          </a:prstGeom>
+          <a:solidFill>
+            <a:schemeClr val="tx1"/>
+          </a:solidFill>
+          <a:ln>
+            <a:solidFill>
+              <a:schemeClr val="tx1"/>
+            </a:solidFill>
+          </a:ln>
+        </p:spPr>
+        <p:style>
+          <a:lnRef idx="2">
+            <a:schemeClr val="accent1">
+              <a:shade val="50000"/>
+            </a:schemeClr>
+          </a:lnRef>
+          <a:fillRef idx="1">
+            <a:schemeClr val="accent1"/>
+          </a:fillRef>
+          <a:effectRef idx="0">
+            <a:schemeClr val="accent1"/>
+          </a:effectRef>
+          <a:fontRef idx="minor">
+            <a:schemeClr val="lt1"/>
+          </a:fontRef>
+        </p:style>
+        <p:txBody>
+          <a:bodyPr rtlCol="0" anchor="ctr"/>
+          <a:lstStyle/>
+          <a:p>
+            <a:pPr algn="ctr"/>
+            <a:endParaRPr lang="en-US"/>
+          </a:p>
+        </p:txBody>
+      </p:sp>
+      <mc:AlternateContent xmlns:mc="http://schemas.openxmlformats.org/markup-compatibility/2006" xmlns:a14="http://schemas.microsoft.com/office/drawing/2010/main">
+        <mc:Choice Requires="a14">
+          <p:sp>
+            <p:nvSpPr>
+              <p:cNvPr id="18" name="TextBox 17"/>
+              <p:cNvSpPr txBox="1"/>
+              <p:nvPr/>
+            </p:nvSpPr>
+            <p:spPr>
+              <a:xfrm>
+                <a:off x="1447800" y="5135740"/>
+                <a:ext cx="434991" cy="369332"/>
+              </a:xfrm>
+              <a:prstGeom prst="rect">
+                <a:avLst/>
+              </a:prstGeom>
+              <a:noFill/>
+            </p:spPr>
+            <p:txBody>
+              <a:bodyPr wrap="none" rtlCol="0">
+                <a:spAutoFit/>
+              </a:bodyPr>
+              <a:lstStyle/>
+              <a:p>
+                <a:pPr/>
+                <a14:m>
+                  <m:oMathPara xmlns:m="http://schemas.openxmlformats.org/officeDocument/2006/math">
+                    <m:oMathParaPr>
+                      <m:jc m:val="centerGroup"/>
+                    </m:oMathParaPr>
+                    <m:oMath xmlns:m="http://schemas.openxmlformats.org/officeDocument/2006/math">
+                      <m:sSub>
+                        <m:sSubPr>
+                          <m:ctrlPr>
+                            <a:rPr lang="en-US" i="1" smtClean="0">
+                              <a:latin typeface="Cambria Math"/>
+                            </a:rPr>
+                          </m:ctrlPr>
+                        </m:sSubPr>
+                        <m:e>
+                          <m:r>
+                            <a:rPr lang="en-US" altLang="ja-JP" b="0" i="1" smtClean="0">
+                              <a:latin typeface="Cambria Math"/>
+                            </a:rPr>
+                            <m:t>𝑣</m:t>
+                          </m:r>
+                        </m:e>
+                        <m:sub>
+                          <m:r>
+                            <a:rPr lang="en-US" b="0" i="1" smtClean="0">
+                              <a:latin typeface="Cambria Math"/>
+                            </a:rPr>
+                            <m:t>𝑖</m:t>
+                          </m:r>
+                        </m:sub>
+                      </m:sSub>
+                    </m:oMath>
+                  </m:oMathPara>
+                </a14:m>
+                <a:endParaRPr lang="en-US" dirty="0"/>
+              </a:p>
+            </p:txBody>
+          </p:sp>
+        </mc:Choice>
+        <mc:Fallback xmlns="">
+          <p:sp>
+            <p:nvSpPr>
+              <p:cNvPr id="18" name="TextBox 17"/>
+              <p:cNvSpPr txBox="1">
+                <a:spLocks noRot="1" noChangeAspect="1" noMove="1" noResize="1" noEditPoints="1" noAdjustHandles="1" noChangeArrowheads="1" noChangeShapeType="1" noTextEdit="1"/>
+              </p:cNvSpPr>
+              <p:nvPr/>
+            </p:nvSpPr>
+            <p:spPr>
+              <a:xfrm>
+                <a:off x="1447800" y="5135740"/>
+                <a:ext cx="434991" cy="369332"/>
+              </a:xfrm>
+              <a:prstGeom prst="rect">
+                <a:avLst/>
+              </a:prstGeom>
+              <a:blipFill rotWithShape="1">
+                <a:blip r:embed="rId6"/>
+                <a:stretch>
+                  <a:fillRect/>
+                </a:stretch>
+              </a:blipFill>
+            </p:spPr>
+            <p:txBody>
+              <a:bodyPr/>
+              <a:lstStyle/>
+              <a:p>
+                <a:r>
+                  <a:rPr lang="en-US">
+                    <a:noFill/>
+                  </a:rPr>
+                  <a:t> </a:t>
+                </a:r>
+              </a:p>
+            </p:txBody>
+          </p:sp>
+        </mc:Fallback>
+      </mc:AlternateContent>
+      <mc:AlternateContent xmlns:mc="http://schemas.openxmlformats.org/markup-compatibility/2006" xmlns:a14="http://schemas.microsoft.com/office/drawing/2010/main">
+        <mc:Choice Requires="a14">
+          <p:sp>
+            <p:nvSpPr>
+              <p:cNvPr id="19" name="TextBox 18"/>
+              <p:cNvSpPr txBox="1"/>
+              <p:nvPr/>
+            </p:nvSpPr>
+            <p:spPr>
+              <a:xfrm>
+                <a:off x="2228850" y="3965022"/>
+                <a:ext cx="437556" cy="391646"/>
+              </a:xfrm>
+              <a:prstGeom prst="rect">
+                <a:avLst/>
+              </a:prstGeom>
+              <a:noFill/>
+            </p:spPr>
+            <p:txBody>
+              <a:bodyPr wrap="none" rtlCol="0">
+                <a:spAutoFit/>
+              </a:bodyPr>
+              <a:lstStyle/>
+              <a:p>
+                <a:pPr/>
+                <a14:m>
+                  <m:oMathPara xmlns:m="http://schemas.openxmlformats.org/officeDocument/2006/math">
+                    <m:oMathParaPr>
+                      <m:jc m:val="centerGroup"/>
+                    </m:oMathParaPr>
+                    <m:oMath xmlns:m="http://schemas.openxmlformats.org/officeDocument/2006/math">
+                      <m:sSub>
+                        <m:sSubPr>
+                          <m:ctrlPr>
+                            <a:rPr lang="en-US" b="1" i="1" smtClean="0">
+                              <a:latin typeface="Cambria Math"/>
+                            </a:rPr>
+                          </m:ctrlPr>
+                        </m:sSubPr>
+                        <m:e>
+                          <m:r>
+                            <a:rPr lang="en-US" b="1" i="1" smtClean="0">
+                              <a:latin typeface="Cambria Math"/>
+                            </a:rPr>
+                            <m:t>𝒆</m:t>
+                          </m:r>
+                        </m:e>
+                        <m:sub>
+                          <m:r>
+                            <a:rPr lang="en-US" b="0" i="1" smtClean="0">
+                              <a:latin typeface="Cambria Math"/>
+                            </a:rPr>
+                            <m:t>𝑗</m:t>
+                          </m:r>
+                        </m:sub>
+                      </m:sSub>
+                    </m:oMath>
+                  </m:oMathPara>
+                </a14:m>
+                <a:endParaRPr lang="en-US" b="1" dirty="0"/>
+              </a:p>
+            </p:txBody>
+          </p:sp>
+        </mc:Choice>
+        <mc:Fallback xmlns="">
+          <p:sp>
+            <p:nvSpPr>
+              <p:cNvPr id="19" name="TextBox 18"/>
+              <p:cNvSpPr txBox="1">
+                <a:spLocks noRot="1" noChangeAspect="1" noMove="1" noResize="1" noEditPoints="1" noAdjustHandles="1" noChangeArrowheads="1" noChangeShapeType="1" noTextEdit="1"/>
+              </p:cNvSpPr>
+              <p:nvPr/>
+            </p:nvSpPr>
+            <p:spPr>
+              <a:xfrm>
+                <a:off x="2228850" y="3965022"/>
+                <a:ext cx="437556" cy="391646"/>
+              </a:xfrm>
+              <a:prstGeom prst="rect">
+                <a:avLst/>
+              </a:prstGeom>
+              <a:blipFill rotWithShape="1">
+                <a:blip r:embed="rId7"/>
+                <a:stretch>
+                  <a:fillRect b="-6154"/>
+                </a:stretch>
+              </a:blipFill>
+            </p:spPr>
+            <p:txBody>
+              <a:bodyPr/>
+              <a:lstStyle/>
+              <a:p>
+                <a:r>
+                  <a:rPr lang="en-US">
+                    <a:noFill/>
+                  </a:rPr>
+                  <a:t> </a:t>
+                </a:r>
+              </a:p>
+            </p:txBody>
+          </p:sp>
+        </mc:Fallback>
+      </mc:AlternateContent>
+      <p:sp>
+        <p:nvSpPr>
+          <p:cNvPr id="21" name="Oval 20"/>
+          <p:cNvSpPr/>
+          <p:nvPr/>
+        </p:nvSpPr>
+        <p:spPr>
+          <a:xfrm>
+            <a:off x="2514600" y="3362325"/>
+            <a:ext cx="76200" cy="76200"/>
+          </a:xfrm>
+          <a:prstGeom prst="ellipse">
+            <a:avLst/>
+          </a:prstGeom>
+          <a:solidFill>
+            <a:schemeClr val="tx1"/>
+          </a:solidFill>
+          <a:ln>
+            <a:solidFill>
+              <a:schemeClr val="tx1"/>
+            </a:solidFill>
+          </a:ln>
+        </p:spPr>
+        <p:style>
+          <a:lnRef idx="2">
+            <a:schemeClr val="accent1">
+              <a:shade val="50000"/>
+            </a:schemeClr>
+          </a:lnRef>
+          <a:fillRef idx="1">
+            <a:schemeClr val="accent1"/>
+          </a:fillRef>
+          <a:effectRef idx="0">
+            <a:schemeClr val="accent1"/>
+          </a:effectRef>
+          <a:fontRef idx="minor">
+            <a:schemeClr val="lt1"/>
+          </a:fontRef>
+        </p:style>
+        <p:txBody>
+          <a:bodyPr rtlCol="0" anchor="ctr"/>
+          <a:lstStyle/>
+          <a:p>
+            <a:pPr algn="ctr"/>
+            <a:endParaRPr lang="en-US"/>
+          </a:p>
+        </p:txBody>
+      </p:sp>
+      <mc:AlternateContent xmlns:mc="http://schemas.openxmlformats.org/markup-compatibility/2006" xmlns:a14="http://schemas.microsoft.com/office/drawing/2010/main">
+        <mc:Choice Requires="a14">
+          <p:sp>
+            <p:nvSpPr>
+              <p:cNvPr id="22" name="TextBox 21"/>
+              <p:cNvSpPr txBox="1"/>
+              <p:nvPr/>
+            </p:nvSpPr>
+            <p:spPr>
+              <a:xfrm>
+                <a:off x="2297104" y="2953237"/>
+                <a:ext cx="433708" cy="391646"/>
+              </a:xfrm>
+              <a:prstGeom prst="rect">
+                <a:avLst/>
+              </a:prstGeom>
+              <a:noFill/>
+            </p:spPr>
+            <p:txBody>
+              <a:bodyPr wrap="none" rtlCol="0">
+                <a:spAutoFit/>
+              </a:bodyPr>
+              <a:lstStyle/>
+              <a:p>
+                <a:pPr/>
+                <a14:m>
+                  <m:oMathPara xmlns:m="http://schemas.openxmlformats.org/officeDocument/2006/math">
+                    <m:oMathParaPr>
+                      <m:jc m:val="centerGroup"/>
+                    </m:oMathParaPr>
+                    <m:oMath xmlns:m="http://schemas.openxmlformats.org/officeDocument/2006/math">
+                      <m:sSub>
+                        <m:sSubPr>
+                          <m:ctrlPr>
+                            <a:rPr lang="en-US" i="1" smtClean="0">
+                              <a:latin typeface="Cambria Math"/>
+                            </a:rPr>
+                          </m:ctrlPr>
+                        </m:sSubPr>
+                        <m:e>
+                          <m:r>
+                            <a:rPr lang="en-US" altLang="ja-JP" b="0" i="1" smtClean="0">
+                              <a:latin typeface="Cambria Math"/>
+                            </a:rPr>
+                            <m:t>𝑣</m:t>
+                          </m:r>
+                        </m:e>
+                        <m:sub>
+                          <m:r>
+                            <a:rPr lang="en-US" b="0" i="1" smtClean="0">
+                              <a:latin typeface="Cambria Math"/>
+                            </a:rPr>
+                            <m:t>𝑗</m:t>
+                          </m:r>
+                        </m:sub>
+                      </m:sSub>
+                    </m:oMath>
+                  </m:oMathPara>
+                </a14:m>
+                <a:endParaRPr lang="en-US" dirty="0"/>
+              </a:p>
+            </p:txBody>
+          </p:sp>
+        </mc:Choice>
+        <mc:Fallback xmlns="">
+          <p:sp>
+            <p:nvSpPr>
+              <p:cNvPr id="22" name="TextBox 21"/>
+              <p:cNvSpPr txBox="1">
+                <a:spLocks noRot="1" noChangeAspect="1" noMove="1" noResize="1" noEditPoints="1" noAdjustHandles="1" noChangeArrowheads="1" noChangeShapeType="1" noTextEdit="1"/>
+              </p:cNvSpPr>
+              <p:nvPr/>
+            </p:nvSpPr>
+            <p:spPr>
+              <a:xfrm>
+                <a:off x="2297104" y="2953237"/>
+                <a:ext cx="433708" cy="391646"/>
+              </a:xfrm>
+              <a:prstGeom prst="rect">
+                <a:avLst/>
+              </a:prstGeom>
+              <a:blipFill rotWithShape="1">
+                <a:blip r:embed="rId8"/>
+                <a:stretch>
+                  <a:fillRect b="-6154"/>
+                </a:stretch>
+              </a:blipFill>
+            </p:spPr>
+            <p:txBody>
+              <a:bodyPr/>
+              <a:lstStyle/>
+              <a:p>
+                <a:r>
+                  <a:rPr lang="en-US">
+                    <a:noFill/>
+                  </a:rPr>
+                  <a:t> </a:t>
+                </a:r>
+              </a:p>
+            </p:txBody>
+          </p:sp>
+        </mc:Fallback>
+      </mc:AlternateContent>
+      <p:sp>
+        <p:nvSpPr>
+          <p:cNvPr id="23" name="Freeform 22"/>
+          <p:cNvSpPr/>
+          <p:nvPr/>
+        </p:nvSpPr>
+        <p:spPr>
+          <a:xfrm>
+            <a:off x="2733675" y="2704643"/>
+            <a:ext cx="4404375" cy="571957"/>
+          </a:xfrm>
+          <a:custGeom>
+            <a:avLst/>
+            <a:gdLst>
+              <a:gd name="connsiteX0" fmla="*/ 0 w 4219575"/>
+              <a:gd name="connsiteY0" fmla="*/ 495757 h 571957"/>
+              <a:gd name="connsiteX1" fmla="*/ 1857375 w 4219575"/>
+              <a:gd name="connsiteY1" fmla="*/ 457 h 571957"/>
+              <a:gd name="connsiteX2" fmla="*/ 4219575 w 4219575"/>
+              <a:gd name="connsiteY2" fmla="*/ 571957 h 571957"/>
+            </a:gdLst>
+            <a:ahLst/>
+            <a:cxnLst>
+              <a:cxn ang="0">
+                <a:pos x="connsiteX0" y="connsiteY0"/>
+              </a:cxn>
+              <a:cxn ang="0">
+                <a:pos x="connsiteX1" y="connsiteY1"/>
+              </a:cxn>
+              <a:cxn ang="0">
+                <a:pos x="connsiteX2" y="connsiteY2"/>
+              </a:cxn>
+            </a:cxnLst>
+            <a:rect l="l" t="t" r="r" b="b"/>
+            <a:pathLst>
+              <a:path w="4219575" h="571957">
+                <a:moveTo>
+                  <a:pt x="0" y="495757"/>
+                </a:moveTo>
+                <a:cubicBezTo>
+                  <a:pt x="577056" y="241757"/>
+                  <a:pt x="1154113" y="-12243"/>
+                  <a:pt x="1857375" y="457"/>
+                </a:cubicBezTo>
+                <a:cubicBezTo>
+                  <a:pt x="2560637" y="13157"/>
+                  <a:pt x="3390106" y="292557"/>
+                  <a:pt x="4219575" y="571957"/>
+                </a:cubicBezTo>
+              </a:path>
+            </a:pathLst>
+          </a:custGeom>
+          <a:noFill/>
+          <a:ln>
+            <a:prstDash val="dash"/>
+            <a:tailEnd type="arrow"/>
+          </a:ln>
+        </p:spPr>
+        <p:style>
+          <a:lnRef idx="2">
+            <a:schemeClr val="accent1">
+              <a:shade val="50000"/>
+            </a:schemeClr>
+          </a:lnRef>
+          <a:fillRef idx="1">
+            <a:schemeClr val="accent1"/>
+          </a:fillRef>
+          <a:effectRef idx="0">
+            <a:schemeClr val="accent1"/>
+          </a:effectRef>
+          <a:fontRef idx="minor">
+            <a:schemeClr val="lt1"/>
+          </a:fontRef>
+        </p:style>
+        <p:txBody>
+          <a:bodyPr rtlCol="0" anchor="ctr"/>
+          <a:lstStyle/>
+          <a:p>
+            <a:pPr algn="ctr"/>
+            <a:endParaRPr lang="en-US"/>
+          </a:p>
+        </p:txBody>
+      </p:sp>
+      <p:sp>
+        <p:nvSpPr>
+          <p:cNvPr id="24" name="Freeform 23"/>
+          <p:cNvSpPr/>
+          <p:nvPr/>
+        </p:nvSpPr>
+        <p:spPr>
+          <a:xfrm>
+            <a:off x="2038537" y="4510113"/>
+            <a:ext cx="3921410" cy="571957"/>
+          </a:xfrm>
+          <a:custGeom>
+            <a:avLst/>
+            <a:gdLst>
+              <a:gd name="connsiteX0" fmla="*/ 0 w 4219575"/>
+              <a:gd name="connsiteY0" fmla="*/ 495757 h 571957"/>
+              <a:gd name="connsiteX1" fmla="*/ 1857375 w 4219575"/>
+              <a:gd name="connsiteY1" fmla="*/ 457 h 571957"/>
+              <a:gd name="connsiteX2" fmla="*/ 4219575 w 4219575"/>
+              <a:gd name="connsiteY2" fmla="*/ 571957 h 571957"/>
+            </a:gdLst>
+            <a:ahLst/>
+            <a:cxnLst>
+              <a:cxn ang="0">
+                <a:pos x="connsiteX0" y="connsiteY0"/>
+              </a:cxn>
+              <a:cxn ang="0">
+                <a:pos x="connsiteX1" y="connsiteY1"/>
+              </a:cxn>
+              <a:cxn ang="0">
+                <a:pos x="connsiteX2" y="connsiteY2"/>
+              </a:cxn>
+            </a:cxnLst>
+            <a:rect l="l" t="t" r="r" b="b"/>
+            <a:pathLst>
+              <a:path w="4219575" h="571957">
+                <a:moveTo>
+                  <a:pt x="0" y="495757"/>
+                </a:moveTo>
+                <a:cubicBezTo>
+                  <a:pt x="577056" y="241757"/>
+                  <a:pt x="1154113" y="-12243"/>
+                  <a:pt x="1857375" y="457"/>
+                </a:cubicBezTo>
+                <a:cubicBezTo>
+                  <a:pt x="2560637" y="13157"/>
+                  <a:pt x="3390106" y="292557"/>
+                  <a:pt x="4219575" y="571957"/>
+                </a:cubicBezTo>
+              </a:path>
+            </a:pathLst>
+          </a:custGeom>
+          <a:noFill/>
+          <a:ln>
+            <a:prstDash val="dash"/>
+            <a:tailEnd type="arrow"/>
+          </a:ln>
+        </p:spPr>
+        <p:style>
+          <a:lnRef idx="2">
+            <a:schemeClr val="accent1">
+              <a:shade val="50000"/>
+            </a:schemeClr>
+          </a:lnRef>
+          <a:fillRef idx="1">
+            <a:schemeClr val="accent1"/>
+          </a:fillRef>
+          <a:effectRef idx="0">
+            <a:schemeClr val="accent1"/>
+          </a:effectRef>
+          <a:fontRef idx="minor">
+            <a:schemeClr val="lt1"/>
+          </a:fontRef>
+        </p:style>
+        <p:txBody>
+          <a:bodyPr rtlCol="0" anchor="ctr"/>
+          <a:lstStyle/>
+          <a:p>
+            <a:pPr algn="ctr"/>
+            <a:endParaRPr lang="en-US"/>
+          </a:p>
+        </p:txBody>
+      </p:sp>
+      <p:cxnSp>
+        <p:nvCxnSpPr>
+          <p:cNvPr id="26" name="Straight Arrow Connector 25"/>
+          <p:cNvCxnSpPr/>
+          <p:nvPr/>
+        </p:nvCxnSpPr>
+        <p:spPr>
+          <a:xfrm flipV="1">
+            <a:off x="6820248" y="3505200"/>
+            <a:ext cx="380652" cy="76200"/>
+          </a:xfrm>
+          <a:prstGeom prst="straightConnector1">
+            <a:avLst/>
+          </a:prstGeom>
+          <a:ln>
+            <a:headEnd type="arrow"/>
+            <a:tailEnd type="arrow"/>
+          </a:ln>
+        </p:spPr>
+        <p:style>
+          <a:lnRef idx="1">
+            <a:schemeClr val="accent1"/>
+          </a:lnRef>
+          <a:fillRef idx="0">
+            <a:schemeClr val="accent1"/>
+          </a:fillRef>
+          <a:effectRef idx="0">
+            <a:schemeClr val="accent1"/>
+          </a:effectRef>
+          <a:fontRef idx="minor">
+            <a:schemeClr val="tx1"/>
+          </a:fontRef>
+        </p:style>
+      </p:cxnSp>
+      <mc:AlternateContent xmlns:mc="http://schemas.openxmlformats.org/markup-compatibility/2006" xmlns:a14="http://schemas.microsoft.com/office/drawing/2010/main">
+        <mc:Choice Requires="a14">
+          <p:sp>
+            <p:nvSpPr>
+              <p:cNvPr id="27" name="TextBox 26"/>
+              <p:cNvSpPr txBox="1"/>
+              <p:nvPr/>
+            </p:nvSpPr>
+            <p:spPr>
+              <a:xfrm>
+                <a:off x="6744048" y="3581400"/>
+                <a:ext cx="549125" cy="276999"/>
+              </a:xfrm>
+              <a:prstGeom prst="rect">
+                <a:avLst/>
+              </a:prstGeom>
+              <a:noFill/>
+            </p:spPr>
+            <p:txBody>
+              <a:bodyPr wrap="none" rtlCol="0">
+                <a:spAutoFit/>
+              </a:bodyPr>
+              <a:lstStyle/>
+              <a:p>
+                <a:pPr/>
+                <a14:m>
+                  <m:oMathPara xmlns:m="http://schemas.openxmlformats.org/officeDocument/2006/math">
+                    <m:oMathParaPr>
+                      <m:jc m:val="centerGroup"/>
+                    </m:oMathParaPr>
+                    <m:oMath xmlns:m="http://schemas.openxmlformats.org/officeDocument/2006/math">
+                      <m:r>
+                        <a:rPr lang="en-US" sz="1200" i="1" smtClean="0">
+                          <a:latin typeface="Cambria Math"/>
+                          <a:ea typeface="Cambria Math"/>
+                        </a:rPr>
+                        <m:t>𝛿</m:t>
+                      </m:r>
+                      <m:d>
+                        <m:dPr>
+                          <m:ctrlPr>
+                            <a:rPr lang="en-US" sz="1200" i="1" smtClean="0">
+                              <a:latin typeface="Cambria Math"/>
+                              <a:ea typeface="Cambria Math"/>
+                            </a:rPr>
+                          </m:ctrlPr>
+                        </m:dPr>
+                        <m:e>
+                          <m:r>
+                            <a:rPr lang="en-US" sz="1200" b="0" i="1" smtClean="0">
+                              <a:latin typeface="Cambria Math"/>
+                              <a:ea typeface="Cambria Math"/>
+                            </a:rPr>
+                            <m:t>𝐾</m:t>
+                          </m:r>
+                        </m:e>
+                      </m:d>
+                    </m:oMath>
+                  </m:oMathPara>
+                </a14:m>
+                <a:endParaRPr lang="en-US" sz="1200" dirty="0"/>
+              </a:p>
+            </p:txBody>
+          </p:sp>
+        </mc:Choice>
+        <mc:Fallback xmlns="">
+          <p:sp>
+            <p:nvSpPr>
+              <p:cNvPr id="27" name="TextBox 26"/>
+              <p:cNvSpPr txBox="1">
+                <a:spLocks noRot="1" noChangeAspect="1" noMove="1" noResize="1" noEditPoints="1" noAdjustHandles="1" noChangeArrowheads="1" noChangeShapeType="1" noTextEdit="1"/>
+              </p:cNvSpPr>
+              <p:nvPr/>
+            </p:nvSpPr>
+            <p:spPr>
+              <a:xfrm>
+                <a:off x="6744048" y="3581400"/>
+                <a:ext cx="549125" cy="276999"/>
+              </a:xfrm>
+              <a:prstGeom prst="rect">
+                <a:avLst/>
+              </a:prstGeom>
+              <a:blipFill rotWithShape="1">
+                <a:blip r:embed="rId9"/>
+                <a:stretch>
+                  <a:fillRect/>
+                </a:stretch>
+              </a:blipFill>
+            </p:spPr>
+            <p:txBody>
+              <a:bodyPr/>
+              <a:lstStyle/>
+              <a:p>
+                <a:r>
+                  <a:rPr lang="en-US">
+                    <a:noFill/>
+                  </a:rPr>
+                  <a:t> </a:t>
+                </a:r>
+              </a:p>
+            </p:txBody>
+          </p:sp>
+        </mc:Fallback>
+      </mc:AlternateContent>
+      <mc:AlternateContent xmlns:mc="http://schemas.openxmlformats.org/markup-compatibility/2006" xmlns:a14="http://schemas.microsoft.com/office/drawing/2010/main">
+        <mc:Choice Requires="a14">
+          <p:sp>
+            <p:nvSpPr>
+              <p:cNvPr id="28" name="TextBox 27"/>
+              <p:cNvSpPr txBox="1"/>
+              <p:nvPr/>
+            </p:nvSpPr>
+            <p:spPr>
+              <a:xfrm>
+                <a:off x="6398302" y="4117422"/>
+                <a:ext cx="437556" cy="391646"/>
+              </a:xfrm>
+              <a:prstGeom prst="rect">
+                <a:avLst/>
+              </a:prstGeom>
+              <a:noFill/>
+            </p:spPr>
+            <p:txBody>
+              <a:bodyPr wrap="none" rtlCol="0">
+                <a:spAutoFit/>
+              </a:bodyPr>
+              <a:lstStyle/>
+              <a:p>
+                <a:pPr/>
+                <a14:m>
+                  <m:oMathPara xmlns:m="http://schemas.openxmlformats.org/officeDocument/2006/math">
+                    <m:oMathParaPr>
+                      <m:jc m:val="centerGroup"/>
+                    </m:oMathParaPr>
+                    <m:oMath xmlns:m="http://schemas.openxmlformats.org/officeDocument/2006/math">
+                      <m:sSub>
+                        <m:sSubPr>
+                          <m:ctrlPr>
+                            <a:rPr lang="en-US" b="1" i="1" smtClean="0">
+                              <a:latin typeface="Cambria Math"/>
+                            </a:rPr>
+                          </m:ctrlPr>
+                        </m:sSubPr>
+                        <m:e>
+                          <m:r>
+                            <a:rPr lang="en-US" b="1" i="1" smtClean="0">
+                              <a:latin typeface="Cambria Math"/>
+                            </a:rPr>
+                            <m:t>𝒆</m:t>
+                          </m:r>
+                        </m:e>
+                        <m:sub>
+                          <m:r>
+                            <a:rPr lang="en-US" b="0" i="1" smtClean="0">
+                              <a:latin typeface="Cambria Math"/>
+                            </a:rPr>
+                            <m:t>𝑗</m:t>
+                          </m:r>
+                        </m:sub>
+                      </m:sSub>
+                    </m:oMath>
+                  </m:oMathPara>
+                </a14:m>
+                <a:endParaRPr lang="en-US" b="1" dirty="0"/>
+              </a:p>
+            </p:txBody>
+          </p:sp>
+        </mc:Choice>
+        <mc:Fallback xmlns="">
+          <p:sp>
+            <p:nvSpPr>
+              <p:cNvPr id="28" name="TextBox 27"/>
+              <p:cNvSpPr txBox="1">
+                <a:spLocks noRot="1" noChangeAspect="1" noMove="1" noResize="1" noEditPoints="1" noAdjustHandles="1" noChangeArrowheads="1" noChangeShapeType="1" noTextEdit="1"/>
+              </p:cNvSpPr>
+              <p:nvPr/>
+            </p:nvSpPr>
+            <p:spPr>
+              <a:xfrm>
+                <a:off x="6398302" y="4117422"/>
+                <a:ext cx="437556" cy="391646"/>
+              </a:xfrm>
+              <a:prstGeom prst="rect">
+                <a:avLst/>
+              </a:prstGeom>
+              <a:blipFill rotWithShape="1">
+                <a:blip r:embed="rId10"/>
+                <a:stretch>
+                  <a:fillRect b="-6154"/>
+                </a:stretch>
+              </a:blipFill>
+            </p:spPr>
+            <p:txBody>
+              <a:bodyPr/>
+              <a:lstStyle/>
+              <a:p>
+                <a:r>
+                  <a:rPr lang="en-US">
+                    <a:noFill/>
+                  </a:rPr>
+                  <a:t> </a:t>
+                </a:r>
+              </a:p>
+            </p:txBody>
+          </p:sp>
+        </mc:Fallback>
+      </mc:AlternateContent>
+    </p:spTree>
+    <p:extLst>
+      <p:ext uri="{BB962C8B-B14F-4D97-AF65-F5344CB8AC3E}">
+        <p14:creationId xmlns:p14="http://schemas.microsoft.com/office/powerpoint/2010/main" val="2399830642"/>
+      </p:ext>
+    </p:extLst>
+  </p:cSld>
+  <p:clrMapOvr>
+    <a:masterClrMapping/>
+  </p:clrMapOvr>
+</p:sld>
+</file>
+
+<file path=ppt/slides/slide5.xml><?xml version="1.0" encoding="utf-8"?>
+<p:sld xmlns:a="http://schemas.openxmlformats.org/drawingml/2006/main" xmlns:r="http://schemas.openxmlformats.org/officeDocument/2006/relationships" xmlns:p="http://schemas.openxmlformats.org/presentationml/2006/main">
+  <p:cSld>
+    <p:spTree>
+      <p:nvGrpSpPr>
+        <p:cNvPr id="1" name=""/>
+        <p:cNvGrpSpPr/>
+        <p:nvPr/>
+      </p:nvGrpSpPr>
+      <p:grpSpPr>
+        <a:xfrm>
+          <a:off x="0" y="0"/>
+          <a:ext cx="0" cy="0"/>
+          <a:chOff x="0" y="0"/>
+          <a:chExt cx="0" cy="0"/>
+        </a:xfrm>
+      </p:grpSpPr>
+      <p:pic>
+        <p:nvPicPr>
+          <p:cNvPr id="2" name="Picture 2"/>
+          <p:cNvPicPr>
+            <a:picLocks noChangeAspect="1" noChangeArrowheads="1"/>
+          </p:cNvPicPr>
+          <p:nvPr/>
+        </p:nvPicPr>
+        <p:blipFill>
+          <a:blip r:embed="rId2" cstate="print">
+            <a:extLst>
+              <a:ext uri="{28A0092B-C50C-407E-A947-70E740481C1C}">
+                <a14:useLocalDpi xmlns:a14="http://schemas.microsoft.com/office/drawing/2010/main" val="0"/>
+              </a:ext>
+            </a:extLst>
+          </a:blip>
+          <a:srcRect/>
+          <a:stretch>
+            <a:fillRect/>
+          </a:stretch>
+        </p:blipFill>
+        <p:spPr bwMode="auto">
+          <a:xfrm>
+            <a:off x="495300" y="762000"/>
+            <a:ext cx="2209800" cy="2391319"/>
+          </a:xfrm>
+          <a:prstGeom prst="rect">
+            <a:avLst/>
+          </a:prstGeom>
+          <a:noFill/>
+          <a:ln>
+            <a:noFill/>
+          </a:ln>
+          <a:extLst>
+            <a:ext uri="{909E8E84-426E-40DD-AFC4-6F175D3DCCD1}">
+              <a14:hiddenFill xmlns:a14="http://schemas.microsoft.com/office/drawing/2010/main">
+                <a:solidFill>
+                  <a:schemeClr val="accent1"/>
+                </a:solidFill>
+              </a14:hiddenFill>
+            </a:ext>
+            <a:ext uri="{91240B29-F687-4F45-9708-019B960494DF}">
+              <a14:hiddenLine xmlns:a14="http://schemas.microsoft.com/office/drawing/2010/main" w="9525">
+                <a:solidFill>
+                  <a:schemeClr val="tx1"/>
+                </a:solidFill>
+                <a:miter lim="800000"/>
+                <a:headEnd/>
+                <a:tailEnd/>
+              </a14:hiddenLine>
+            </a:ext>
+          </a:extLst>
+        </p:spPr>
+      </p:pic>
+      <p:pic>
+        <p:nvPicPr>
+          <p:cNvPr id="1026" name="Picture 2"/>
+          <p:cNvPicPr>
+            <a:picLocks noChangeAspect="1" noChangeArrowheads="1"/>
+          </p:cNvPicPr>
+          <p:nvPr/>
+        </p:nvPicPr>
+        <p:blipFill>
+          <a:blip r:embed="rId3">
+            <a:extLst>
+              <a:ext uri="{28A0092B-C50C-407E-A947-70E740481C1C}">
+                <a14:useLocalDpi xmlns:a14="http://schemas.microsoft.com/office/drawing/2010/main" val="0"/>
+              </a:ext>
+            </a:extLst>
+          </a:blip>
+          <a:srcRect/>
+          <a:stretch>
+            <a:fillRect/>
+          </a:stretch>
+        </p:blipFill>
+        <p:spPr bwMode="auto">
+          <a:xfrm>
+            <a:off x="433364" y="3733800"/>
+            <a:ext cx="2919436" cy="2947373"/>
+          </a:xfrm>
+          <a:prstGeom prst="rect">
+            <a:avLst/>
+          </a:prstGeom>
+          <a:noFill/>
+          <a:ln>
+            <a:noFill/>
+          </a:ln>
+          <a:extLst>
+            <a:ext uri="{909E8E84-426E-40DD-AFC4-6F175D3DCCD1}">
+              <a14:hiddenFill xmlns:a14="http://schemas.microsoft.com/office/drawing/2010/main">
+                <a:solidFill>
+                  <a:schemeClr val="accent1"/>
+                </a:solidFill>
+              </a14:hiddenFill>
+            </a:ext>
+            <a:ext uri="{91240B29-F687-4F45-9708-019B960494DF}">
+              <a14:hiddenLine xmlns:a14="http://schemas.microsoft.com/office/drawing/2010/main" w="9525">
+                <a:solidFill>
+                  <a:schemeClr val="tx1"/>
+                </a:solidFill>
+                <a:miter lim="800000"/>
+                <a:headEnd/>
+                <a:tailEnd/>
+              </a14:hiddenLine>
+            </a:ext>
+          </a:extLst>
+        </p:spPr>
+      </p:pic>
+      <p:sp>
+        <p:nvSpPr>
+          <p:cNvPr id="4" name="TextBox 3"/>
+          <p:cNvSpPr txBox="1"/>
+          <p:nvPr/>
+        </p:nvSpPr>
+        <p:spPr>
+          <a:xfrm>
+            <a:off x="0" y="0"/>
+            <a:ext cx="9144000" cy="369332"/>
+          </a:xfrm>
+          <a:prstGeom prst="rect">
+            <a:avLst/>
+          </a:prstGeom>
+          <a:noFill/>
+        </p:spPr>
+        <p:txBody>
+          <a:bodyPr wrap="square" rtlCol="0">
+            <a:spAutoFit/>
+          </a:bodyPr>
+          <a:lstStyle/>
+          <a:p>
+            <a:r>
+              <a:rPr lang="ja-JP" altLang="en-US" dirty="0" smtClean="0"/>
+              <a:t>結果：</a:t>
+            </a:r>
+            <a:r>
+              <a:rPr lang="en-US" altLang="ja-JP" dirty="0" smtClean="0"/>
+              <a:t>kde_feature_new-york1.xml</a:t>
+            </a:r>
+          </a:p>
+        </p:txBody>
+      </p:sp>
+      <p:pic>
+        <p:nvPicPr>
+          <p:cNvPr id="1027" name="Picture 3"/>
+          <p:cNvPicPr>
+            <a:picLocks noChangeAspect="1" noChangeArrowheads="1"/>
+          </p:cNvPicPr>
+          <p:nvPr/>
+        </p:nvPicPr>
+        <p:blipFill>
+          <a:blip r:embed="rId4">
+            <a:extLst>
+              <a:ext uri="{28A0092B-C50C-407E-A947-70E740481C1C}">
+                <a14:useLocalDpi xmlns:a14="http://schemas.microsoft.com/office/drawing/2010/main" val="0"/>
+              </a:ext>
+            </a:extLst>
+          </a:blip>
+          <a:srcRect/>
+          <a:stretch>
+            <a:fillRect/>
+          </a:stretch>
+        </p:blipFill>
+        <p:spPr bwMode="auto">
+          <a:xfrm>
+            <a:off x="3609975" y="1362075"/>
+            <a:ext cx="5505450" cy="5495925"/>
+          </a:xfrm>
+          <a:prstGeom prst="rect">
+            <a:avLst/>
+          </a:prstGeom>
+          <a:noFill/>
+          <a:ln>
+            <a:noFill/>
+          </a:ln>
+          <a:extLst>
+            <a:ext uri="{909E8E84-426E-40DD-AFC4-6F175D3DCCD1}">
+              <a14:hiddenFill xmlns:a14="http://schemas.microsoft.com/office/drawing/2010/main">
+                <a:solidFill>
+                  <a:schemeClr val="accent1"/>
+                </a:solidFill>
+              </a14:hiddenFill>
+            </a:ext>
+            <a:ext uri="{91240B29-F687-4F45-9708-019B960494DF}">
+              <a14:hiddenLine xmlns:a14="http://schemas.microsoft.com/office/drawing/2010/main" w="9525">
+                <a:solidFill>
+                  <a:schemeClr val="tx1"/>
+                </a:solidFill>
+                <a:miter lim="800000"/>
+                <a:headEnd/>
+                <a:tailEnd/>
+              </a14:hiddenLine>
+            </a:ext>
+          </a:extLst>
+        </p:spPr>
+      </p:pic>
+    </p:spTree>
+    <p:extLst>
+      <p:ext uri="{BB962C8B-B14F-4D97-AF65-F5344CB8AC3E}">
+        <p14:creationId xmlns:p14="http://schemas.microsoft.com/office/powerpoint/2010/main" val="842652850"/>
+      </p:ext>
+    </p:extLst>
+  </p:cSld>
+  <p:clrMapOvr>
+    <a:masterClrMapping/>
+  </p:clrMapOvr>
+</p:sld>
+</file>
+
+<file path=ppt/slides/slide6.xml><?xml version="1.0" encoding="utf-8"?>
+<p:sld xmlns:a="http://schemas.openxmlformats.org/drawingml/2006/main" xmlns:r="http://schemas.openxmlformats.org/officeDocument/2006/relationships" xmlns:p="http://schemas.openxmlformats.org/presentationml/2006/main">
+  <p:cSld>
+    <p:spTree>
+      <p:nvGrpSpPr>
+        <p:cNvPr id="1" name=""/>
+        <p:cNvGrpSpPr/>
+        <p:nvPr/>
+      </p:nvGrpSpPr>
+      <p:grpSpPr>
+        <a:xfrm>
+          <a:off x="0" y="0"/>
+          <a:ext cx="0" cy="0"/>
+          <a:chOff x="0" y="0"/>
+          <a:chExt cx="0" cy="0"/>
+        </a:xfrm>
+      </p:grpSpPr>
+      <p:pic>
+        <p:nvPicPr>
+          <p:cNvPr id="2" name="Picture 2"/>
+          <p:cNvPicPr>
+            <a:picLocks noChangeAspect="1" noChangeArrowheads="1"/>
+          </p:cNvPicPr>
+          <p:nvPr/>
+        </p:nvPicPr>
+        <p:blipFill>
+          <a:blip r:embed="rId2" cstate="print">
+            <a:extLst>
+              <a:ext uri="{28A0092B-C50C-407E-A947-70E740481C1C}">
+                <a14:useLocalDpi xmlns:a14="http://schemas.microsoft.com/office/drawing/2010/main" val="0"/>
+              </a:ext>
+            </a:extLst>
+          </a:blip>
+          <a:srcRect/>
+          <a:stretch>
+            <a:fillRect/>
+          </a:stretch>
+        </p:blipFill>
+        <p:spPr bwMode="auto">
+          <a:xfrm>
+            <a:off x="457200" y="838200"/>
+            <a:ext cx="2312983" cy="2391319"/>
+          </a:xfrm>
+          <a:prstGeom prst="rect">
+            <a:avLst/>
+          </a:prstGeom>
+          <a:noFill/>
+          <a:ln>
+            <a:noFill/>
+          </a:ln>
+          <a:extLst>
+            <a:ext uri="{909E8E84-426E-40DD-AFC4-6F175D3DCCD1}">
+              <a14:hiddenFill xmlns:a14="http://schemas.microsoft.com/office/drawing/2010/main">
+                <a:solidFill>
+                  <a:schemeClr val="accent1"/>
+                </a:solidFill>
+              </a14:hiddenFill>
+            </a:ext>
+            <a:ext uri="{91240B29-F687-4F45-9708-019B960494DF}">
+              <a14:hiddenLine xmlns:a14="http://schemas.microsoft.com/office/drawing/2010/main" w="9525">
+                <a:solidFill>
+                  <a:schemeClr val="tx1"/>
+                </a:solidFill>
+                <a:miter lim="800000"/>
+                <a:headEnd/>
+                <a:tailEnd/>
+              </a14:hiddenLine>
+            </a:ext>
+          </a:extLst>
+        </p:spPr>
+      </p:pic>
+      <p:sp>
+        <p:nvSpPr>
+          <p:cNvPr id="3" name="TextBox 2"/>
+          <p:cNvSpPr txBox="1"/>
+          <p:nvPr/>
+        </p:nvSpPr>
+        <p:spPr>
+          <a:xfrm>
+            <a:off x="0" y="0"/>
+            <a:ext cx="9144000" cy="369332"/>
+          </a:xfrm>
+          <a:prstGeom prst="rect">
+            <a:avLst/>
+          </a:prstGeom>
+          <a:noFill/>
+        </p:spPr>
+        <p:txBody>
+          <a:bodyPr wrap="square" rtlCol="0">
+            <a:spAutoFit/>
+          </a:bodyPr>
+          <a:lstStyle/>
+          <a:p>
+            <a:r>
+              <a:rPr lang="ja-JP" altLang="en-US" dirty="0" smtClean="0"/>
+              <a:t>結果：</a:t>
+            </a:r>
+            <a:r>
+              <a:rPr lang="en-US" altLang="ja-JP" dirty="0" smtClean="0"/>
+              <a:t>kde_feature_new-york2.xml</a:t>
+            </a:r>
+          </a:p>
+        </p:txBody>
+      </p:sp>
+      <p:pic>
+        <p:nvPicPr>
+          <p:cNvPr id="2050" name="Picture 2"/>
+          <p:cNvPicPr>
+            <a:picLocks noChangeAspect="1" noChangeArrowheads="1"/>
+          </p:cNvPicPr>
+          <p:nvPr/>
+        </p:nvPicPr>
+        <p:blipFill>
+          <a:blip r:embed="rId3">
+            <a:extLst>
+              <a:ext uri="{28A0092B-C50C-407E-A947-70E740481C1C}">
+                <a14:useLocalDpi xmlns:a14="http://schemas.microsoft.com/office/drawing/2010/main" val="0"/>
+              </a:ext>
+            </a:extLst>
+          </a:blip>
+          <a:srcRect/>
+          <a:stretch>
+            <a:fillRect/>
+          </a:stretch>
+        </p:blipFill>
+        <p:spPr bwMode="auto">
+          <a:xfrm>
+            <a:off x="152401" y="3594766"/>
+            <a:ext cx="3124200" cy="3139220"/>
+          </a:xfrm>
+          <a:prstGeom prst="rect">
+            <a:avLst/>
+          </a:prstGeom>
+          <a:noFill/>
+          <a:ln>
+            <a:noFill/>
+          </a:ln>
+          <a:extLst>
+            <a:ext uri="{909E8E84-426E-40DD-AFC4-6F175D3DCCD1}">
+              <a14:hiddenFill xmlns:a14="http://schemas.microsoft.com/office/drawing/2010/main">
+                <a:solidFill>
+                  <a:schemeClr val="accent1"/>
+                </a:solidFill>
+              </a14:hiddenFill>
+            </a:ext>
+            <a:ext uri="{91240B29-F687-4F45-9708-019B960494DF}">
+              <a14:hiddenLine xmlns:a14="http://schemas.microsoft.com/office/drawing/2010/main" w="9525">
+                <a:solidFill>
+                  <a:schemeClr val="tx1"/>
+                </a:solidFill>
+                <a:miter lim="800000"/>
+                <a:headEnd/>
+                <a:tailEnd/>
+              </a14:hiddenLine>
+            </a:ext>
+          </a:extLst>
+        </p:spPr>
+      </p:pic>
+      <p:pic>
+        <p:nvPicPr>
+          <p:cNvPr id="2052" name="Picture 4"/>
+          <p:cNvPicPr>
+            <a:picLocks noChangeAspect="1" noChangeArrowheads="1"/>
+          </p:cNvPicPr>
+          <p:nvPr/>
+        </p:nvPicPr>
+        <p:blipFill>
+          <a:blip r:embed="rId4">
+            <a:extLst>
+              <a:ext uri="{28A0092B-C50C-407E-A947-70E740481C1C}">
+                <a14:useLocalDpi xmlns:a14="http://schemas.microsoft.com/office/drawing/2010/main" val="0"/>
+              </a:ext>
+            </a:extLst>
+          </a:blip>
+          <a:srcRect/>
+          <a:stretch>
+            <a:fillRect/>
+          </a:stretch>
+        </p:blipFill>
+        <p:spPr bwMode="auto">
+          <a:xfrm>
+            <a:off x="3505200" y="1238061"/>
+            <a:ext cx="5562600" cy="5495925"/>
+          </a:xfrm>
+          <a:prstGeom prst="rect">
+            <a:avLst/>
+          </a:prstGeom>
+          <a:noFill/>
+          <a:ln>
+            <a:noFill/>
+          </a:ln>
+          <a:extLst>
+            <a:ext uri="{909E8E84-426E-40DD-AFC4-6F175D3DCCD1}">
+              <a14:hiddenFill xmlns:a14="http://schemas.microsoft.com/office/drawing/2010/main">
+                <a:solidFill>
+                  <a:schemeClr val="accent1"/>
+                </a:solidFill>
+              </a14:hiddenFill>
+            </a:ext>
+            <a:ext uri="{91240B29-F687-4F45-9708-019B960494DF}">
+              <a14:hiddenLine xmlns:a14="http://schemas.microsoft.com/office/drawing/2010/main" w="9525">
+                <a:solidFill>
+                  <a:schemeClr val="tx1"/>
+                </a:solidFill>
+                <a:miter lim="800000"/>
+                <a:headEnd/>
+                <a:tailEnd/>
+              </a14:hiddenLine>
+            </a:ext>
+          </a:extLst>
+        </p:spPr>
+      </p:pic>
+    </p:spTree>
+    <p:extLst>
+      <p:ext uri="{BB962C8B-B14F-4D97-AF65-F5344CB8AC3E}">
+        <p14:creationId xmlns:p14="http://schemas.microsoft.com/office/powerpoint/2010/main" val="1823756277"/>
+      </p:ext>
+    </p:extLst>
+  </p:cSld>
+  <p:clrMapOvr>
+    <a:masterClrMapping/>
+  </p:clrMapOvr>
+</p:sld>
+</file>
+
+<file path=ppt/slides/slide7.xml><?xml version="1.0" encoding="utf-8"?>
+<p:sld xmlns:a="http://schemas.openxmlformats.org/drawingml/2006/main" xmlns:r="http://schemas.openxmlformats.org/officeDocument/2006/relationships" xmlns:p="http://schemas.openxmlformats.org/presentationml/2006/main">
+  <p:cSld>
+    <p:spTree>
+      <p:nvGrpSpPr>
+        <p:cNvPr id="1" name=""/>
+        <p:cNvGrpSpPr/>
+        <p:nvPr/>
+      </p:nvGrpSpPr>
+      <p:grpSpPr>
+        <a:xfrm>
+          <a:off x="0" y="0"/>
+          <a:ext cx="0" cy="0"/>
+          <a:chOff x="0" y="0"/>
+          <a:chExt cx="0" cy="0"/>
+        </a:xfrm>
+      </p:grpSpPr>
+      <p:sp>
+        <p:nvSpPr>
+          <p:cNvPr id="2" name="TextBox 1"/>
+          <p:cNvSpPr txBox="1"/>
+          <p:nvPr/>
+        </p:nvSpPr>
+        <p:spPr>
+          <a:xfrm>
+            <a:off x="0" y="0"/>
+            <a:ext cx="9144000" cy="369332"/>
+          </a:xfrm>
+          <a:prstGeom prst="rect">
+            <a:avLst/>
+          </a:prstGeom>
+          <a:noFill/>
+        </p:spPr>
+        <p:txBody>
+          <a:bodyPr wrap="square" rtlCol="0">
+            <a:spAutoFit/>
+          </a:bodyPr>
+          <a:lstStyle/>
+          <a:p>
+            <a:r>
+              <a:rPr lang="ja-JP" altLang="en-US" dirty="0" smtClean="0"/>
+              <a:t>結果：</a:t>
+            </a:r>
+            <a:r>
+              <a:rPr lang="en-US" altLang="ja-JP" dirty="0" smtClean="0"/>
+              <a:t>kde_feature_new-york3.xml</a:t>
+            </a:r>
+          </a:p>
+        </p:txBody>
+      </p:sp>
+      <p:pic>
+        <p:nvPicPr>
+          <p:cNvPr id="3" name="Picture 2"/>
+          <p:cNvPicPr>
+            <a:picLocks noChangeAspect="1" noChangeArrowheads="1"/>
+          </p:cNvPicPr>
+          <p:nvPr/>
+        </p:nvPicPr>
+        <p:blipFill>
+          <a:blip r:embed="rId2" cstate="print">
+            <a:extLst>
+              <a:ext uri="{28A0092B-C50C-407E-A947-70E740481C1C}">
+                <a14:useLocalDpi xmlns:a14="http://schemas.microsoft.com/office/drawing/2010/main" val="0"/>
+              </a:ext>
+            </a:extLst>
+          </a:blip>
+          <a:srcRect/>
+          <a:stretch>
+            <a:fillRect/>
+          </a:stretch>
+        </p:blipFill>
+        <p:spPr bwMode="auto">
+          <a:xfrm>
+            <a:off x="285750" y="963653"/>
+            <a:ext cx="4114800" cy="5589547"/>
+          </a:xfrm>
+          <a:prstGeom prst="rect">
+            <a:avLst/>
+          </a:prstGeom>
+          <a:noFill/>
+          <a:ln>
+            <a:noFill/>
+          </a:ln>
+          <a:extLst>
+            <a:ext uri="{909E8E84-426E-40DD-AFC4-6F175D3DCCD1}">
+              <a14:hiddenFill xmlns:a14="http://schemas.microsoft.com/office/drawing/2010/main">
+                <a:solidFill>
+                  <a:schemeClr val="accent1"/>
+                </a:solidFill>
+              </a14:hiddenFill>
+            </a:ext>
+            <a:ext uri="{91240B29-F687-4F45-9708-019B960494DF}">
+              <a14:hiddenLine xmlns:a14="http://schemas.microsoft.com/office/drawing/2010/main" w="9525">
+                <a:solidFill>
+                  <a:schemeClr val="tx1"/>
+                </a:solidFill>
+                <a:miter lim="800000"/>
+                <a:headEnd/>
+                <a:tailEnd/>
+              </a14:hiddenLine>
+            </a:ext>
+          </a:extLst>
+        </p:spPr>
+      </p:pic>
+      <p:pic>
+        <p:nvPicPr>
+          <p:cNvPr id="3074" name="Picture 2"/>
+          <p:cNvPicPr>
+            <a:picLocks noChangeAspect="1" noChangeArrowheads="1"/>
+          </p:cNvPicPr>
+          <p:nvPr/>
+        </p:nvPicPr>
+        <p:blipFill>
+          <a:blip r:embed="rId3">
+            <a:extLst>
+              <a:ext uri="{28A0092B-C50C-407E-A947-70E740481C1C}">
+                <a14:useLocalDpi xmlns:a14="http://schemas.microsoft.com/office/drawing/2010/main" val="0"/>
+              </a:ext>
+            </a:extLst>
+          </a:blip>
+          <a:srcRect/>
+          <a:stretch>
+            <a:fillRect/>
+          </a:stretch>
+        </p:blipFill>
+        <p:spPr bwMode="auto">
+          <a:xfrm>
+            <a:off x="4772025" y="2438400"/>
+            <a:ext cx="4095112" cy="4114800"/>
+          </a:xfrm>
+          <a:prstGeom prst="rect">
+            <a:avLst/>
+          </a:prstGeom>
+          <a:noFill/>
+          <a:ln>
+            <a:noFill/>
+          </a:ln>
+          <a:extLst>
+            <a:ext uri="{909E8E84-426E-40DD-AFC4-6F175D3DCCD1}">
+              <a14:hiddenFill xmlns:a14="http://schemas.microsoft.com/office/drawing/2010/main">
+                <a:solidFill>
+                  <a:schemeClr val="accent1"/>
+                </a:solidFill>
+              </a14:hiddenFill>
+            </a:ext>
+            <a:ext uri="{91240B29-F687-4F45-9708-019B960494DF}">
+              <a14:hiddenLine xmlns:a14="http://schemas.microsoft.com/office/drawing/2010/main" w="9525">
+                <a:solidFill>
+                  <a:schemeClr val="tx1"/>
+                </a:solidFill>
+                <a:miter lim="800000"/>
+                <a:headEnd/>
+                <a:tailEnd/>
+              </a14:hiddenLine>
+            </a:ext>
+          </a:extLst>
+        </p:spPr>
+      </p:pic>
+    </p:spTree>
+    <p:extLst>
+      <p:ext uri="{BB962C8B-B14F-4D97-AF65-F5344CB8AC3E}">
+        <p14:creationId xmlns:p14="http://schemas.microsoft.com/office/powerpoint/2010/main" val="1733696429"/>
+      </p:ext>
+    </p:extLst>
+  </p:cSld>
+  <p:clrMapOvr>
+    <a:masterClrMapping/>
+  </p:clrMapOvr>
+</p:sld>
+</file>
+
+<file path=ppt/slides/slide8.xml><?xml version="1.0" encoding="utf-8"?>
+<p:sld xmlns:a="http://schemas.openxmlformats.org/drawingml/2006/main" xmlns:r="http://schemas.openxmlformats.org/officeDocument/2006/relationships" xmlns:p="http://schemas.openxmlformats.org/presentationml/2006/main">
+  <p:cSld>
+    <p:spTree>
+      <p:nvGrpSpPr>
+        <p:cNvPr id="1" name=""/>
+        <p:cNvGrpSpPr/>
+        <p:nvPr/>
+      </p:nvGrpSpPr>
+      <p:grpSpPr>
+        <a:xfrm>
+          <a:off x="0" y="0"/>
+          <a:ext cx="0" cy="0"/>
+          <a:chOff x="0" y="0"/>
+          <a:chExt cx="0" cy="0"/>
+        </a:xfrm>
+      </p:grpSpPr>
+      <p:pic>
+        <p:nvPicPr>
+          <p:cNvPr id="4098" name="Picture 2"/>
+          <p:cNvPicPr>
+            <a:picLocks noChangeAspect="1" noChangeArrowheads="1"/>
+          </p:cNvPicPr>
+          <p:nvPr/>
+        </p:nvPicPr>
+        <p:blipFill>
+          <a:blip r:embed="rId2">
+            <a:extLst>
+              <a:ext uri="{28A0092B-C50C-407E-A947-70E740481C1C}">
+                <a14:useLocalDpi xmlns:a14="http://schemas.microsoft.com/office/drawing/2010/main" val="0"/>
+              </a:ext>
+            </a:extLst>
+          </a:blip>
+          <a:srcRect/>
+          <a:stretch>
+            <a:fillRect/>
+          </a:stretch>
+        </p:blipFill>
+        <p:spPr bwMode="auto">
+          <a:xfrm>
+            <a:off x="76200" y="3311685"/>
+            <a:ext cx="3419475" cy="3419475"/>
+          </a:xfrm>
+          <a:prstGeom prst="rect">
+            <a:avLst/>
+          </a:prstGeom>
+          <a:noFill/>
+          <a:ln>
+            <a:noFill/>
+          </a:ln>
+          <a:extLst>
+            <a:ext uri="{909E8E84-426E-40DD-AFC4-6F175D3DCCD1}">
+              <a14:hiddenFill xmlns:a14="http://schemas.microsoft.com/office/drawing/2010/main">
+                <a:solidFill>
+                  <a:schemeClr val="accent1"/>
+                </a:solidFill>
+              </a14:hiddenFill>
+            </a:ext>
+            <a:ext uri="{91240B29-F687-4F45-9708-019B960494DF}">
+              <a14:hiddenLine xmlns:a14="http://schemas.microsoft.com/office/drawing/2010/main" w="9525">
+                <a:solidFill>
+                  <a:schemeClr val="tx1"/>
+                </a:solidFill>
+                <a:miter lim="800000"/>
+                <a:headEnd/>
+                <a:tailEnd/>
+              </a14:hiddenLine>
+            </a:ext>
+          </a:extLst>
+        </p:spPr>
+      </p:pic>
+      <p:pic>
+        <p:nvPicPr>
+          <p:cNvPr id="3" name="Picture 3"/>
+          <p:cNvPicPr>
+            <a:picLocks noChangeAspect="1" noChangeArrowheads="1"/>
+          </p:cNvPicPr>
+          <p:nvPr/>
+        </p:nvPicPr>
+        <p:blipFill>
+          <a:blip r:embed="rId3" cstate="print">
+            <a:extLst>
+              <a:ext uri="{28A0092B-C50C-407E-A947-70E740481C1C}">
+                <a14:useLocalDpi xmlns:a14="http://schemas.microsoft.com/office/drawing/2010/main" val="0"/>
+              </a:ext>
+            </a:extLst>
+          </a:blip>
+          <a:srcRect/>
+          <a:stretch>
+            <a:fillRect/>
+          </a:stretch>
+        </p:blipFill>
+        <p:spPr bwMode="auto">
+          <a:xfrm>
+            <a:off x="314325" y="609600"/>
+            <a:ext cx="2362200" cy="2530635"/>
+          </a:xfrm>
+          <a:prstGeom prst="rect">
+            <a:avLst/>
+          </a:prstGeom>
+          <a:noFill/>
+          <a:ln>
+            <a:noFill/>
+          </a:ln>
+          <a:extLst>
+            <a:ext uri="{909E8E84-426E-40DD-AFC4-6F175D3DCCD1}">
+              <a14:hiddenFill xmlns:a14="http://schemas.microsoft.com/office/drawing/2010/main">
+                <a:solidFill>
+                  <a:schemeClr val="accent1"/>
+                </a:solidFill>
+              </a14:hiddenFill>
+            </a:ext>
+            <a:ext uri="{91240B29-F687-4F45-9708-019B960494DF}">
+              <a14:hiddenLine xmlns:a14="http://schemas.microsoft.com/office/drawing/2010/main" w="9525">
+                <a:solidFill>
+                  <a:schemeClr val="tx1"/>
+                </a:solidFill>
+                <a:miter lim="800000"/>
+                <a:headEnd/>
+                <a:tailEnd/>
+              </a14:hiddenLine>
+            </a:ext>
+          </a:extLst>
+        </p:spPr>
+      </p:pic>
+      <p:sp>
+        <p:nvSpPr>
+          <p:cNvPr id="4" name="TextBox 3"/>
+          <p:cNvSpPr txBox="1"/>
+          <p:nvPr/>
+        </p:nvSpPr>
+        <p:spPr>
+          <a:xfrm>
+            <a:off x="0" y="0"/>
+            <a:ext cx="9144000" cy="369332"/>
+          </a:xfrm>
+          <a:prstGeom prst="rect">
+            <a:avLst/>
+          </a:prstGeom>
+          <a:noFill/>
+        </p:spPr>
+        <p:txBody>
+          <a:bodyPr wrap="square" rtlCol="0">
+            <a:spAutoFit/>
+          </a:bodyPr>
+          <a:lstStyle/>
+          <a:p>
+            <a:r>
+              <a:rPr lang="ja-JP" altLang="en-US" dirty="0" smtClean="0"/>
+              <a:t>結果：</a:t>
+            </a:r>
+            <a:r>
+              <a:rPr lang="en-US" altLang="ja-JP" dirty="0" smtClean="0"/>
+              <a:t>kde_feature_london1.xml</a:t>
+            </a:r>
+          </a:p>
+        </p:txBody>
+      </p:sp>
+      <p:sp>
+        <p:nvSpPr>
+          <p:cNvPr id="5" name="Oval 4"/>
+          <p:cNvSpPr/>
+          <p:nvPr/>
+        </p:nvSpPr>
+        <p:spPr>
+          <a:xfrm>
+            <a:off x="752475" y="4287997"/>
+            <a:ext cx="685800" cy="1466850"/>
+          </a:xfrm>
+          <a:prstGeom prst="ellipse">
+            <a:avLst/>
+          </a:prstGeom>
+          <a:noFill/>
+          <a:ln>
+            <a:solidFill>
+              <a:schemeClr val="tx1"/>
+            </a:solidFill>
+            <a:prstDash val="dash"/>
+          </a:ln>
+        </p:spPr>
+        <p:style>
+          <a:lnRef idx="2">
+            <a:schemeClr val="accent1">
+              <a:shade val="50000"/>
+            </a:schemeClr>
+          </a:lnRef>
+          <a:fillRef idx="1">
+            <a:schemeClr val="accent1"/>
+          </a:fillRef>
+          <a:effectRef idx="0">
+            <a:schemeClr val="accent1"/>
+          </a:effectRef>
+          <a:fontRef idx="minor">
+            <a:schemeClr val="lt1"/>
+          </a:fontRef>
+        </p:style>
+        <p:txBody>
+          <a:bodyPr rtlCol="0" anchor="ctr"/>
+          <a:lstStyle/>
+          <a:p>
+            <a:pPr algn="ctr"/>
+            <a:endParaRPr lang="en-US"/>
+          </a:p>
+        </p:txBody>
+      </p:sp>
+      <p:pic>
+        <p:nvPicPr>
+          <p:cNvPr id="4099" name="Picture 3"/>
+          <p:cNvPicPr>
+            <a:picLocks noChangeAspect="1" noChangeArrowheads="1"/>
+          </p:cNvPicPr>
+          <p:nvPr/>
+        </p:nvPicPr>
+        <p:blipFill>
+          <a:blip r:embed="rId4">
+            <a:extLst>
+              <a:ext uri="{28A0092B-C50C-407E-A947-70E740481C1C}">
+                <a14:useLocalDpi xmlns:a14="http://schemas.microsoft.com/office/drawing/2010/main" val="0"/>
+              </a:ext>
+            </a:extLst>
+          </a:blip>
+          <a:srcRect/>
+          <a:stretch>
+            <a:fillRect/>
+          </a:stretch>
+        </p:blipFill>
+        <p:spPr bwMode="auto">
+          <a:xfrm>
+            <a:off x="3581400" y="1351717"/>
+            <a:ext cx="5505450" cy="5505450"/>
+          </a:xfrm>
+          <a:prstGeom prst="rect">
+            <a:avLst/>
+          </a:prstGeom>
+          <a:noFill/>
+          <a:ln>
+            <a:noFill/>
+          </a:ln>
+          <a:extLst>
+            <a:ext uri="{909E8E84-426E-40DD-AFC4-6F175D3DCCD1}">
+              <a14:hiddenFill xmlns:a14="http://schemas.microsoft.com/office/drawing/2010/main">
+                <a:solidFill>
+                  <a:schemeClr val="accent1"/>
+                </a:solidFill>
+              </a14:hiddenFill>
+            </a:ext>
+            <a:ext uri="{91240B29-F687-4F45-9708-019B960494DF}">
+              <a14:hiddenLine xmlns:a14="http://schemas.microsoft.com/office/drawing/2010/main" w="9525">
+                <a:solidFill>
+                  <a:schemeClr val="tx1"/>
+                </a:solidFill>
+                <a:miter lim="800000"/>
+                <a:headEnd/>
+                <a:tailEnd/>
+              </a14:hiddenLine>
+            </a:ext>
+          </a:extLst>
+        </p:spPr>
+      </p:pic>
+      <p:sp>
+        <p:nvSpPr>
+          <p:cNvPr id="2" name="TextBox 1"/>
+          <p:cNvSpPr txBox="1"/>
+          <p:nvPr/>
+        </p:nvSpPr>
+        <p:spPr>
+          <a:xfrm>
+            <a:off x="104775" y="3132020"/>
+            <a:ext cx="6096000" cy="738664"/>
+          </a:xfrm>
+          <a:prstGeom prst="rect">
+            <a:avLst/>
+          </a:prstGeom>
+          <a:noFill/>
+        </p:spPr>
+        <p:txBody>
+          <a:bodyPr wrap="square" rtlCol="0">
+            <a:spAutoFit/>
+          </a:bodyPr>
+          <a:lstStyle/>
+          <a:p>
+            <a:r>
+              <a:rPr lang="ja-JP" altLang="en-US" sz="1400" dirty="0"/>
+              <a:t>テリトリ</a:t>
+            </a:r>
+            <a:r>
+              <a:rPr lang="ja-JP" altLang="en-US" sz="1400" dirty="0" smtClean="0"/>
+              <a:t>ー</a:t>
+            </a:r>
+            <a:r>
+              <a:rPr lang="ja-JP" altLang="en-US" sz="1400" dirty="0"/>
+              <a:t>チェッ</a:t>
+            </a:r>
+            <a:r>
+              <a:rPr lang="ja-JP" altLang="en-US" sz="1400" dirty="0" smtClean="0"/>
+              <a:t>クのせいで、道路生成がキャンセルされてしまった。</a:t>
+            </a:r>
+            <a:endParaRPr lang="en-US" altLang="ja-JP" sz="1400" dirty="0" smtClean="0"/>
+          </a:p>
+          <a:p>
+            <a:r>
+              <a:rPr lang="ja-JP" altLang="en-US" sz="1400" dirty="0"/>
+              <a:t>ちなみに</a:t>
+            </a:r>
+            <a:r>
+              <a:rPr lang="ja-JP" altLang="en-US" sz="1400" dirty="0" smtClean="0"/>
+              <a:t>、テリトリーチェックを外すと、もっとひどい結果となる。</a:t>
+            </a:r>
+            <a:endParaRPr lang="en-US" altLang="ja-JP" sz="1400" dirty="0" smtClean="0"/>
+          </a:p>
+          <a:p>
+            <a:r>
+              <a:rPr lang="ja-JP" altLang="en-US" sz="1400" dirty="0"/>
+              <a:t>なので</a:t>
+            </a:r>
+            <a:r>
+              <a:rPr lang="ja-JP" altLang="en-US" sz="1400" dirty="0" smtClean="0"/>
+              <a:t>、テリトリーチェックを活かしつつ、アルゴリズムの改善が必要だ。</a:t>
+            </a:r>
+            <a:endParaRPr lang="en-US" sz="1400" dirty="0"/>
+          </a:p>
+        </p:txBody>
+      </p:sp>
+      <p:sp>
+        <p:nvSpPr>
+          <p:cNvPr id="8" name="TextBox 7"/>
+          <p:cNvSpPr txBox="1"/>
+          <p:nvPr/>
+        </p:nvSpPr>
+        <p:spPr>
+          <a:xfrm>
+            <a:off x="3505201" y="369332"/>
+            <a:ext cx="5581650" cy="830997"/>
+          </a:xfrm>
+          <a:prstGeom prst="rect">
+            <a:avLst/>
+          </a:prstGeom>
+          <a:noFill/>
+        </p:spPr>
+        <p:txBody>
+          <a:bodyPr wrap="square" rtlCol="0">
+            <a:spAutoFit/>
+          </a:bodyPr>
+          <a:lstStyle/>
+          <a:p>
+            <a:r>
+              <a:rPr lang="ja-JP" altLang="en-US" sz="1600" dirty="0" smtClean="0"/>
+              <a:t>繰り返しが発生。</a:t>
+            </a:r>
+            <a:endParaRPr lang="en-US" altLang="ja-JP" sz="1600" dirty="0" smtClean="0"/>
+          </a:p>
+          <a:p>
+            <a:r>
+              <a:rPr lang="ja-JP" altLang="en-US" sz="1600" dirty="0" smtClean="0"/>
+              <a:t>エッジフィッティング度のウェイトを増やして、相対位置のウェイトを下げるなどの試行錯誤が必要かも。。。。</a:t>
+            </a:r>
+            <a:endParaRPr lang="en-US" sz="1600" dirty="0"/>
+          </a:p>
+        </p:txBody>
+      </p:sp>
+    </p:spTree>
+    <p:extLst>
+      <p:ext uri="{BB962C8B-B14F-4D97-AF65-F5344CB8AC3E}">
+        <p14:creationId xmlns:p14="http://schemas.microsoft.com/office/powerpoint/2010/main" val="1802642192"/>
+      </p:ext>
+    </p:extLst>
+  </p:cSld>
+  <p:clrMapOvr>
+    <a:masterClrMapping/>
+  </p:clrMapOvr>
+</p:sld>
+</file>
+
+<file path=ppt/slides/slide9.xml><?xml version="1.0" encoding="utf-8"?>
+<p:sld xmlns:a="http://schemas.openxmlformats.org/drawingml/2006/main" xmlns:r="http://schemas.openxmlformats.org/officeDocument/2006/relationships" xmlns:p="http://schemas.openxmlformats.org/presentationml/2006/main">
+  <p:cSld>
+    <p:spTree>
+      <p:nvGrpSpPr>
+        <p:cNvPr id="1" name=""/>
+        <p:cNvGrpSpPr/>
+        <p:nvPr/>
+      </p:nvGrpSpPr>
+      <p:grpSpPr>
+        <a:xfrm>
+          <a:off x="0" y="0"/>
+          <a:ext cx="0" cy="0"/>
+          <a:chOff x="0" y="0"/>
+          <a:chExt cx="0" cy="0"/>
+        </a:xfrm>
+      </p:grpSpPr>
+      <p:pic>
+        <p:nvPicPr>
+          <p:cNvPr id="5122" name="Picture 2"/>
+          <p:cNvPicPr>
+            <a:picLocks noChangeAspect="1" noChangeArrowheads="1"/>
+          </p:cNvPicPr>
+          <p:nvPr/>
+        </p:nvPicPr>
+        <p:blipFill>
+          <a:blip r:embed="rId2">
+            <a:extLst>
+              <a:ext uri="{28A0092B-C50C-407E-A947-70E740481C1C}">
+                <a14:useLocalDpi xmlns:a14="http://schemas.microsoft.com/office/drawing/2010/main" val="0"/>
+              </a:ext>
+            </a:extLst>
+          </a:blip>
+          <a:srcRect/>
+          <a:stretch>
+            <a:fillRect/>
+          </a:stretch>
+        </p:blipFill>
+        <p:spPr bwMode="auto">
+          <a:xfrm>
+            <a:off x="323851" y="3879906"/>
+            <a:ext cx="2800350" cy="2806643"/>
+          </a:xfrm>
+          <a:prstGeom prst="rect">
+            <a:avLst/>
+          </a:prstGeom>
+          <a:noFill/>
+          <a:ln>
+            <a:noFill/>
+          </a:ln>
+          <a:extLst>
+            <a:ext uri="{909E8E84-426E-40DD-AFC4-6F175D3DCCD1}">
+              <a14:hiddenFill xmlns:a14="http://schemas.microsoft.com/office/drawing/2010/main">
+                <a:solidFill>
+                  <a:schemeClr val="accent1"/>
+                </a:solidFill>
+              </a14:hiddenFill>
+            </a:ext>
+            <a:ext uri="{91240B29-F687-4F45-9708-019B960494DF}">
+              <a14:hiddenLine xmlns:a14="http://schemas.microsoft.com/office/drawing/2010/main" w="9525">
+                <a:solidFill>
+                  <a:schemeClr val="tx1"/>
+                </a:solidFill>
+                <a:miter lim="800000"/>
+                <a:headEnd/>
+                <a:tailEnd/>
+              </a14:hiddenLine>
+            </a:ext>
+          </a:extLst>
+        </p:spPr>
+      </p:pic>
+      <p:pic>
+        <p:nvPicPr>
+          <p:cNvPr id="3" name="Picture 2"/>
+          <p:cNvPicPr>
+            <a:picLocks noChangeAspect="1" noChangeArrowheads="1"/>
+          </p:cNvPicPr>
+          <p:nvPr/>
+        </p:nvPicPr>
+        <p:blipFill>
+          <a:blip r:embed="rId3" cstate="print">
+            <a:extLst>
+              <a:ext uri="{28A0092B-C50C-407E-A947-70E740481C1C}">
+                <a14:useLocalDpi xmlns:a14="http://schemas.microsoft.com/office/drawing/2010/main" val="0"/>
+              </a:ext>
+            </a:extLst>
+          </a:blip>
+          <a:srcRect/>
+          <a:stretch>
+            <a:fillRect/>
+          </a:stretch>
+        </p:blipFill>
+        <p:spPr bwMode="auto">
+          <a:xfrm>
+            <a:off x="533400" y="792693"/>
+            <a:ext cx="2209800" cy="2134775"/>
+          </a:xfrm>
+          <a:prstGeom prst="rect">
+            <a:avLst/>
+          </a:prstGeom>
+          <a:noFill/>
+          <a:ln>
+            <a:noFill/>
+          </a:ln>
+          <a:extLst>
+            <a:ext uri="{909E8E84-426E-40DD-AFC4-6F175D3DCCD1}">
+              <a14:hiddenFill xmlns:a14="http://schemas.microsoft.com/office/drawing/2010/main">
+                <a:solidFill>
+                  <a:schemeClr val="accent1"/>
+                </a:solidFill>
+              </a14:hiddenFill>
+            </a:ext>
+            <a:ext uri="{91240B29-F687-4F45-9708-019B960494DF}">
+              <a14:hiddenLine xmlns:a14="http://schemas.microsoft.com/office/drawing/2010/main" w="9525">
+                <a:solidFill>
+                  <a:schemeClr val="tx1"/>
+                </a:solidFill>
+                <a:miter lim="800000"/>
+                <a:headEnd/>
+                <a:tailEnd/>
+              </a14:hiddenLine>
+            </a:ext>
+          </a:extLst>
+        </p:spPr>
+      </p:pic>
+      <p:sp>
+        <p:nvSpPr>
+          <p:cNvPr id="4" name="TextBox 3"/>
+          <p:cNvSpPr txBox="1"/>
+          <p:nvPr/>
+        </p:nvSpPr>
+        <p:spPr>
+          <a:xfrm>
+            <a:off x="0" y="0"/>
+            <a:ext cx="9144000" cy="369332"/>
+          </a:xfrm>
+          <a:prstGeom prst="rect">
+            <a:avLst/>
+          </a:prstGeom>
+          <a:noFill/>
+        </p:spPr>
+        <p:txBody>
+          <a:bodyPr wrap="square" rtlCol="0">
+            <a:spAutoFit/>
+          </a:bodyPr>
+          <a:lstStyle/>
+          <a:p>
+            <a:r>
+              <a:rPr lang="ja-JP" altLang="en-US" dirty="0" smtClean="0"/>
+              <a:t>結果：</a:t>
+            </a:r>
+            <a:r>
+              <a:rPr lang="en-US" altLang="ja-JP" dirty="0" smtClean="0"/>
+              <a:t>kde_feature_london2.xml</a:t>
+            </a:r>
+          </a:p>
+        </p:txBody>
+      </p:sp>
+      <p:pic>
+        <p:nvPicPr>
+          <p:cNvPr id="5123" name="Picture 3"/>
+          <p:cNvPicPr>
+            <a:picLocks noChangeAspect="1" noChangeArrowheads="1"/>
+          </p:cNvPicPr>
+          <p:nvPr/>
+        </p:nvPicPr>
+        <p:blipFill>
+          <a:blip r:embed="rId4">
+            <a:extLst>
+              <a:ext uri="{28A0092B-C50C-407E-A947-70E740481C1C}">
+                <a14:useLocalDpi xmlns:a14="http://schemas.microsoft.com/office/drawing/2010/main" val="0"/>
+              </a:ext>
+            </a:extLst>
+          </a:blip>
+          <a:srcRect/>
+          <a:stretch>
+            <a:fillRect/>
+          </a:stretch>
+        </p:blipFill>
+        <p:spPr bwMode="auto">
+          <a:xfrm>
+            <a:off x="3505200" y="1304925"/>
+            <a:ext cx="5495925" cy="5524500"/>
+          </a:xfrm>
+          <a:prstGeom prst="rect">
+            <a:avLst/>
+          </a:prstGeom>
+          <a:noFill/>
+          <a:ln>
+            <a:noFill/>
+          </a:ln>
+          <a:extLst>
+            <a:ext uri="{909E8E84-426E-40DD-AFC4-6F175D3DCCD1}">
+              <a14:hiddenFill xmlns:a14="http://schemas.microsoft.com/office/drawing/2010/main">
+                <a:solidFill>
+                  <a:schemeClr val="accent1"/>
+                </a:solidFill>
+              </a14:hiddenFill>
+            </a:ext>
+            <a:ext uri="{91240B29-F687-4F45-9708-019B960494DF}">
+              <a14:hiddenLine xmlns:a14="http://schemas.microsoft.com/office/drawing/2010/main" w="9525">
+                <a:solidFill>
+                  <a:schemeClr val="tx1"/>
+                </a:solidFill>
+                <a:miter lim="800000"/>
+                <a:headEnd/>
+                <a:tailEnd/>
+              </a14:hiddenLine>
+            </a:ext>
+          </a:extLst>
+        </p:spPr>
+      </p:pic>
+      <p:sp>
+        <p:nvSpPr>
+          <p:cNvPr id="2" name="TextBox 1"/>
+          <p:cNvSpPr txBox="1"/>
+          <p:nvPr/>
+        </p:nvSpPr>
+        <p:spPr>
+          <a:xfrm>
+            <a:off x="3505200" y="369332"/>
+            <a:ext cx="5505033" cy="830997"/>
+          </a:xfrm>
+          <a:prstGeom prst="rect">
+            <a:avLst/>
+          </a:prstGeom>
+          <a:noFill/>
+        </p:spPr>
+        <p:txBody>
+          <a:bodyPr wrap="none" rtlCol="0">
+            <a:spAutoFit/>
+          </a:bodyPr>
+          <a:lstStyle/>
+          <a:p>
+            <a:r>
+              <a:rPr lang="ja-JP" altLang="en-US" sz="1600" dirty="0" smtClean="0"/>
+              <a:t>繰り返しが発生。</a:t>
+            </a:r>
+            <a:endParaRPr lang="en-US" altLang="ja-JP" sz="1600" dirty="0" smtClean="0"/>
+          </a:p>
+          <a:p>
+            <a:r>
+              <a:rPr lang="ja-JP" altLang="en-US" sz="1600" dirty="0"/>
+              <a:t>道路カーネ</a:t>
+            </a:r>
+            <a:r>
+              <a:rPr lang="ja-JP" altLang="en-US" sz="1600" dirty="0" smtClean="0"/>
+              <a:t>ルが３つしかないのが理由だ。</a:t>
+            </a:r>
+            <a:endParaRPr lang="en-US" altLang="ja-JP" sz="1600" dirty="0" smtClean="0"/>
+          </a:p>
+          <a:p>
+            <a:r>
+              <a:rPr lang="ja-JP" altLang="en-US" sz="1600" dirty="0"/>
+              <a:t>例</a:t>
+            </a:r>
+            <a:r>
+              <a:rPr lang="ja-JP" altLang="en-US" sz="1600" dirty="0" smtClean="0"/>
+              <a:t>の、バリエーションを増やす案で解決できることを期待する。</a:t>
+            </a:r>
+            <a:endParaRPr lang="en-US" sz="1600" dirty="0"/>
+          </a:p>
+        </p:txBody>
+      </p:sp>
+    </p:spTree>
+    <p:extLst>
+      <p:ext uri="{BB962C8B-B14F-4D97-AF65-F5344CB8AC3E}">
+        <p14:creationId xmlns:p14="http://schemas.microsoft.com/office/powerpoint/2010/main" val="2250792792"/>
       </p:ext>
     </p:extLst>
   </p:cSld>

--- a/doc/相対位置に基づく道路カーネルの選択.pptx
+++ b/doc/相対位置に基づく道路カーネルの選択.pptx
@@ -16,7 +16,7 @@
     <p:sldId id="264" r:id="rId10"/>
   </p:sldIdLst>
   <p:sldSz cx="9144000" cy="6858000" type="screen4x3"/>
-  <p:notesSz cx="6858000" cy="9144000"/>
+  <p:notesSz cx="7010400" cy="9296400"/>
   <p:defaultTextStyle>
     <a:defPPr>
       <a:defRPr lang="en-US"/>
